--- a/６．【電源電位申告書】神戸高専AB.pptx
+++ b/６．【電源電位申告書】神戸高専AB.pptx
@@ -259,7 +259,7 @@
       </p15:sldGuideLst>
     </p:ext>
     <p:ext uri="http://customooxmlschemas.google.com/">
-      <go:slidesCustomData xmlns="" xmlns:mc="http://schemas.openxmlformats.org/markup-compatibility/2006" xmlns:mv="urn:schemas-microsoft-com:mac:vml" xmlns:c="http://schemas.openxmlformats.org/drawingml/2006/chart" xmlns:dgm="http://schemas.openxmlformats.org/drawingml/2006/diagram" xmlns:o="urn:schemas-microsoft-com:office:office" xmlns:v="urn:schemas-microsoft-com:vml" xmlns:pvml="urn:schemas-microsoft-com:office:powerpoint" xmlns:com="http://schemas.openxmlformats.org/drawingml/2006/compatibility" xmlns:p14="http://schemas.microsoft.com/office/powerpoint/2010/main" xmlns:p15="http://schemas.microsoft.com/office/powerpoint/2012/main" xmlns:ahyp="http://schemas.microsoft.com/office/drawing/2018/hyperlinkcolor" xmlns:go="http://customooxmlschemas.google.com/" r:id="rId11" roundtripDataSignature="AMtx7miF2fjcER+5fSP4KnQ88vKd8HvlMQ=="/>
+      <go:slidesCustomData xmlns:go="http://customooxmlschemas.google.com/" xmlns:ahyp="http://schemas.microsoft.com/office/drawing/2018/hyperlinkcolor" xmlns:p15="http://schemas.microsoft.com/office/powerpoint/2012/main" xmlns:p14="http://schemas.microsoft.com/office/powerpoint/2010/main" xmlns:com="http://schemas.openxmlformats.org/drawingml/2006/compatibility" xmlns:pvml="urn:schemas-microsoft-com:office:powerpoint" xmlns:v="urn:schemas-microsoft-com:vml" xmlns:o="urn:schemas-microsoft-com:office:office" xmlns:dgm="http://schemas.openxmlformats.org/drawingml/2006/diagram" xmlns:c="http://schemas.openxmlformats.org/drawingml/2006/chart" xmlns:mv="urn:schemas-microsoft-com:mac:vml" xmlns:mc="http://schemas.openxmlformats.org/markup-compatibility/2006" xmlns="" r:id="rId11" roundtripDataSignature="AMtx7miF2fjcER+5fSP4KnQ88vKd8HvlMQ=="/>
     </p:ext>
   </p:extLst>
 </p:presentation>
@@ -15004,16 +15004,75 @@
           <a:chExt cx="0" cy="0"/>
         </a:xfrm>
       </p:grpSpPr>
+      <p:sp>
+        <p:nvSpPr>
+          <p:cNvPr id="112" name="Google Shape;112;g9c0c5dd9de_0_36"/>
+          <p:cNvSpPr txBox="1"/>
+          <p:nvPr/>
+        </p:nvSpPr>
+        <p:spPr>
+          <a:xfrm>
+            <a:off x="6574379" y="2018759"/>
+            <a:ext cx="554700" cy="276900"/>
+          </a:xfrm>
+          <a:prstGeom prst="rect">
+            <a:avLst/>
+          </a:prstGeom>
+          <a:solidFill>
+            <a:schemeClr val="lt1"/>
+          </a:solidFill>
+          <a:ln>
+            <a:noFill/>
+          </a:ln>
+        </p:spPr>
+        <p:txBody>
+          <a:bodyPr spcFirstLastPara="1" wrap="square" lIns="91425" tIns="45700" rIns="91425" bIns="45700" anchor="t" anchorCtr="0">
+            <a:noAutofit/>
+          </a:bodyPr>
+          <a:lstStyle/>
+          <a:p>
+            <a:r>
+              <a:rPr lang="en-US" altLang="ja-JP" sz="1050" dirty="0">
+                <a:solidFill>
+                  <a:schemeClr val="dk1"/>
+                </a:solidFill>
+                <a:latin typeface="Calibri"/>
+                <a:ea typeface="Calibri"/>
+                <a:cs typeface="Calibri"/>
+                <a:sym typeface="Calibri"/>
+              </a:rPr>
+              <a:t>PWM</a:t>
+            </a:r>
+            <a:endParaRPr sz="1050" dirty="0">
+              <a:solidFill>
+                <a:schemeClr val="dk1"/>
+              </a:solidFill>
+              <a:latin typeface="Calibri"/>
+              <a:ea typeface="Calibri"/>
+              <a:cs typeface="Calibri"/>
+              <a:sym typeface="Calibri"/>
+            </a:endParaRPr>
+          </a:p>
+        </p:txBody>
+      </p:sp>
       <p:cxnSp>
         <p:nvCxnSpPr>
-          <p:cNvPr id="88" name="Google Shape;88;g9c0c5dd9de_0_36"/>
-          <p:cNvCxnSpPr/>
+          <p:cNvPr id="56" name="Google Shape;88;g9c0c5dd9de_0_36">
+            <a:extLst>
+              <a:ext uri="{FF2B5EF4-FFF2-40B4-BE49-F238E27FC236}">
+                <a16:creationId xmlns:a16="http://schemas.microsoft.com/office/drawing/2014/main" id="{FD1EF8FA-0668-5CFF-3A4C-C7F57B4C3798}"/>
+              </a:ext>
+            </a:extLst>
+          </p:cNvPr>
+          <p:cNvCxnSpPr>
+            <a:cxnSpLocks/>
+          </p:cNvCxnSpPr>
           <p:nvPr/>
         </p:nvCxnSpPr>
         <p:spPr>
           <a:xfrm>
-            <a:off x="6086245" y="2616266"/>
-            <a:ext cx="935100" cy="0"/>
+            <a:off x="6618664" y="1856988"/>
+            <a:ext cx="618891" cy="0"/>
           </a:xfrm>
           <a:prstGeom prst="straightConnector1">
             <a:avLst/>
@@ -15035,14 +15094,14 @@
           <p:cNvPr id="90" name="Google Shape;90;g9c0c5dd9de_0_36"/>
           <p:cNvCxnSpPr>
             <a:cxnSpLocks/>
-            <a:endCxn id="110" idx="1"/>
+            <a:stCxn id="108" idx="3"/>
           </p:cNvCxnSpPr>
           <p:nvPr/>
         </p:nvCxnSpPr>
         <p:spPr>
           <a:xfrm>
-            <a:off x="2100854" y="2612542"/>
-            <a:ext cx="2810238" cy="1152"/>
+            <a:off x="2130648" y="1844362"/>
+            <a:ext cx="4084209" cy="20291"/>
           </a:xfrm>
           <a:prstGeom prst="straightConnector1">
             <a:avLst/>
@@ -15102,31 +15161,7 @@
                 <a:cs typeface="Calibri"/>
                 <a:sym typeface="Calibri"/>
               </a:rPr>
-              <a:t>○○高専　△△キャンパス　</a:t>
-            </a:r>
-            <a:r>
-              <a:rPr lang="en-US" altLang="ja-JP" sz="1800" dirty="0">
-                <a:solidFill>
-                  <a:schemeClr val="dk1"/>
-                </a:solidFill>
-                <a:latin typeface="Calibri"/>
-                <a:ea typeface="Calibri"/>
-                <a:cs typeface="Calibri"/>
-                <a:sym typeface="Calibri"/>
-              </a:rPr>
-              <a:t>A</a:t>
-            </a:r>
-            <a:r>
-              <a:rPr lang="ja-JP" altLang="en-US" sz="1800" dirty="0">
-                <a:solidFill>
-                  <a:schemeClr val="dk1"/>
-                </a:solidFill>
-                <a:latin typeface="Calibri"/>
-                <a:ea typeface="Calibri"/>
-                <a:cs typeface="Calibri"/>
-                <a:sym typeface="Calibri"/>
-              </a:rPr>
-              <a:t>・</a:t>
+              <a:t>神戸高専　</a:t>
             </a:r>
             <a:r>
               <a:rPr lang="en-US" altLang="ja-JP" sz="1800" dirty="0">
@@ -15173,7 +15208,43 @@
                 <a:cs typeface="Calibri"/>
                 <a:sym typeface="Calibri"/>
               </a:rPr>
-              <a:t>プロジェクト名　</a:t>
+              <a:t>プロジェクト名　周回最速</a:t>
+            </a:r>
+            <a:r>
+              <a:rPr lang="en-US" altLang="ja-JP" sz="1800" dirty="0">
+                <a:solidFill>
+                  <a:schemeClr val="dk1"/>
+                </a:solidFill>
+                <a:latin typeface="Calibri"/>
+                <a:ea typeface="Calibri"/>
+                <a:cs typeface="Calibri"/>
+                <a:sym typeface="Calibri"/>
+              </a:rPr>
+              <a:t>(</a:t>
+            </a:r>
+            <a:r>
+              <a:rPr lang="ja-JP" altLang="en-US" sz="1800" dirty="0">
+                <a:solidFill>
+                  <a:schemeClr val="dk1"/>
+                </a:solidFill>
+                <a:latin typeface="Calibri"/>
+                <a:ea typeface="Calibri"/>
+                <a:cs typeface="Calibri"/>
+                <a:sym typeface="Calibri"/>
+              </a:rPr>
+              <a:t>仮</a:t>
+            </a:r>
+            <a:r>
+              <a:rPr lang="en-US" altLang="ja-JP" sz="1800" dirty="0">
+                <a:solidFill>
+                  <a:schemeClr val="dk1"/>
+                </a:solidFill>
+                <a:latin typeface="Calibri"/>
+                <a:ea typeface="Calibri"/>
+                <a:cs typeface="Calibri"/>
+                <a:sym typeface="Calibri"/>
+              </a:rPr>
+              <a:t>)</a:t>
             </a:r>
             <a:endParaRPr sz="1800" dirty="0">
               <a:solidFill>
@@ -15191,7 +15262,13 @@
         <p:nvGraphicFramePr>
           <p:cNvPr id="92" name="Google Shape;92;g9c0c5dd9de_0_36"/>
           <p:cNvGraphicFramePr/>
-          <p:nvPr/>
+          <p:nvPr>
+            <p:extLst>
+              <p:ext uri="{D42A27DB-BD31-4B8C-83A1-F6EECF244321}">
+                <p14:modId xmlns:p14="http://schemas.microsoft.com/office/powerpoint/2010/main" val="2607119884"/>
+              </p:ext>
+            </p:extLst>
+          </p:nvPr>
         </p:nvGraphicFramePr>
         <p:xfrm>
           <a:off x="1613728" y="5691969"/>
@@ -15388,16 +15465,39 @@
                     <a:bodyPr/>
                     <a:lstStyle/>
                     <a:p>
-                      <a:pPr marL="0" marR="0" lvl="0" indent="0" algn="ctr" rtl="0">
+                      <a:pPr marL="0" marR="0" lvl="0" indent="0" algn="ctr" defTabSz="914400" rtl="0" eaLnBrk="1" fontAlgn="auto" latinLnBrk="0" hangingPunct="1">
+                        <a:lnSpc>
+                          <a:spcPct val="100000"/>
+                        </a:lnSpc>
                         <a:spcBef>
                           <a:spcPts val="0"/>
                         </a:spcBef>
                         <a:spcAft>
                           <a:spcPts val="0"/>
                         </a:spcAft>
+                        <a:buClr>
+                          <a:srgbClr val="000000"/>
+                        </a:buClr>
+                        <a:buSzTx/>
+                        <a:buFont typeface="Arial"/>
                         <a:buNone/>
+                        <a:tabLst/>
+                        <a:defRPr/>
                       </a:pPr>
-                      <a:endParaRPr sz="1400" dirty="0"/>
+                      <a:r>
+                        <a:rPr lang="en-US" altLang="ja-JP" sz="1400" b="0" i="0" u="none" strike="noStrike" cap="none" dirty="0">
+                          <a:solidFill>
+                            <a:schemeClr val="dk1"/>
+                          </a:solidFill>
+                          <a:effectLst/>
+                          <a:latin typeface="Calibri"/>
+                          <a:ea typeface="Calibri"/>
+                          <a:cs typeface="Calibri"/>
+                          <a:sym typeface="Arial"/>
+                        </a:rPr>
+                        <a:t>DUALSHOCK3</a:t>
+                      </a:r>
+                      <a:endParaRPr lang="en-US" altLang="ja-JP" sz="1400" dirty="0"/>
                     </a:p>
                   </a:txBody>
                   <a:tcPr marL="91450" marR="91450" marT="45725" marB="45725"/>
@@ -15407,16 +15507,30 @@
                     <a:bodyPr/>
                     <a:lstStyle/>
                     <a:p>
-                      <a:pPr marL="0" marR="0" lvl="0" indent="0" algn="ctr" rtl="0">
+                      <a:pPr marL="0" marR="0" lvl="0" indent="0" algn="ctr" defTabSz="914400" rtl="0" eaLnBrk="1" fontAlgn="auto" latinLnBrk="0" hangingPunct="1">
+                        <a:lnSpc>
+                          <a:spcPct val="100000"/>
+                        </a:lnSpc>
                         <a:spcBef>
                           <a:spcPts val="0"/>
                         </a:spcBef>
                         <a:spcAft>
                           <a:spcPts val="0"/>
                         </a:spcAft>
+                        <a:buClr>
+                          <a:srgbClr val="000000"/>
+                        </a:buClr>
+                        <a:buSzTx/>
+                        <a:buFont typeface="Arial"/>
                         <a:buNone/>
+                        <a:tabLst/>
+                        <a:defRPr/>
                       </a:pPr>
-                      <a:endParaRPr sz="1400">
+                      <a:r>
+                        <a:rPr lang="en-US" altLang="ja-JP" sz="1400" dirty="0"/>
+                        <a:t>FEP01</a:t>
+                      </a:r>
+                      <a:endParaRPr lang="en-US" altLang="ja-JP" sz="1400" dirty="0">
                         <a:latin typeface="Calibri"/>
                         <a:ea typeface="Calibri"/>
                         <a:cs typeface="Calibri"/>
@@ -15499,16 +15613,39 @@
                     <a:bodyPr/>
                     <a:lstStyle/>
                     <a:p>
-                      <a:pPr marL="0" marR="0" lvl="0" indent="0" algn="ctr" rtl="0">
+                      <a:pPr marL="0" marR="0" lvl="0" indent="0" algn="ctr" defTabSz="914400" rtl="0" eaLnBrk="1" fontAlgn="auto" latinLnBrk="0" hangingPunct="1">
+                        <a:lnSpc>
+                          <a:spcPct val="100000"/>
+                        </a:lnSpc>
                         <a:spcBef>
                           <a:spcPts val="0"/>
                         </a:spcBef>
                         <a:spcAft>
                           <a:spcPts val="0"/>
                         </a:spcAft>
+                        <a:buClr>
+                          <a:srgbClr val="000000"/>
+                        </a:buClr>
+                        <a:buSzTx/>
+                        <a:buFont typeface="Arial"/>
                         <a:buNone/>
+                        <a:tabLst/>
+                        <a:defRPr/>
                       </a:pPr>
-                      <a:endParaRPr sz="1400">
+                      <a:r>
+                        <a:rPr lang="en-US" altLang="ja-JP" sz="1400" b="0" i="0" u="none" strike="noStrike" cap="none" dirty="0">
+                          <a:solidFill>
+                            <a:schemeClr val="dk1"/>
+                          </a:solidFill>
+                          <a:effectLst/>
+                          <a:latin typeface="Calibri"/>
+                          <a:ea typeface="Calibri"/>
+                          <a:cs typeface="Calibri"/>
+                          <a:sym typeface="Arial"/>
+                        </a:rPr>
+                        <a:t>007AB0090</a:t>
+                      </a:r>
+                      <a:endParaRPr lang="en-US" altLang="ja-JP" sz="1400" dirty="0">
                         <a:solidFill>
                           <a:schemeClr val="dk1"/>
                         </a:solidFill>
@@ -15531,6 +15668,19 @@
                         </a:spcAft>
                         <a:buNone/>
                       </a:pPr>
+                      <a:r>
+                        <a:rPr lang="en-US" altLang="ja-JP" sz="1400" b="0" i="0" u="none" strike="noStrike" cap="none" dirty="0">
+                          <a:solidFill>
+                            <a:schemeClr val="dk1"/>
+                          </a:solidFill>
+                          <a:effectLst/>
+                          <a:latin typeface="Calibri"/>
+                          <a:ea typeface="Calibri"/>
+                          <a:cs typeface="Calibri"/>
+                          <a:sym typeface="Arial"/>
+                        </a:rPr>
+                        <a:t>001-A11788</a:t>
+                      </a:r>
                       <a:endParaRPr sz="1400" u="none" dirty="0">
                         <a:solidFill>
                           <a:schemeClr val="dk1"/>
@@ -15645,7 +15795,7 @@
                 <a:cs typeface="Calibri"/>
                 <a:sym typeface="Calibri"/>
               </a:rPr>
-              <a:t>○○地区</a:t>
+              <a:t>近畿地区</a:t>
             </a:r>
             <a:endParaRPr sz="1800" dirty="0">
               <a:solidFill>
@@ -15669,8 +15819,8 @@
         </p:nvCxnSpPr>
         <p:spPr>
           <a:xfrm>
-            <a:off x="1334225" y="3180118"/>
-            <a:ext cx="0" cy="1905506"/>
+            <a:off x="1329025" y="2289442"/>
+            <a:ext cx="0" cy="2796182"/>
           </a:xfrm>
           <a:prstGeom prst="straightConnector1">
             <a:avLst/>
@@ -15695,7 +15845,7 @@
         </p:nvSpPr>
         <p:spPr>
           <a:xfrm>
-            <a:off x="2130648" y="2289442"/>
+            <a:off x="2196225" y="1471246"/>
             <a:ext cx="554700" cy="276900"/>
           </a:xfrm>
           <a:prstGeom prst="rect">
@@ -15724,7 +15874,7 @@
                 <a:cs typeface="Calibri"/>
                 <a:sym typeface="Calibri"/>
               </a:rPr>
-              <a:t>14.8V</a:t>
+              <a:t>22.2V</a:t>
             </a:r>
             <a:endParaRPr sz="1200" dirty="0">
               <a:solidFill>
@@ -15839,7 +15989,7 @@
         </p:nvSpPr>
         <p:spPr>
           <a:xfrm>
-            <a:off x="2715374" y="2210213"/>
+            <a:off x="2816503" y="1448002"/>
             <a:ext cx="769162" cy="685800"/>
           </a:xfrm>
           <a:prstGeom prst="rect">
@@ -15887,7 +16037,7 @@
                 <a:cs typeface="Calibri"/>
                 <a:sym typeface="Calibri"/>
               </a:rPr>
-              <a:t>30A</a:t>
+              <a:t>15A</a:t>
             </a:r>
             <a:endParaRPr sz="1050" dirty="0">
               <a:solidFill>
@@ -15909,7 +16059,7 @@
         </p:nvSpPr>
         <p:spPr>
           <a:xfrm>
-            <a:off x="3544589" y="2167942"/>
+            <a:off x="3933767" y="1346302"/>
             <a:ext cx="539700" cy="889200"/>
           </a:xfrm>
           <a:prstGeom prst="rect">
@@ -15981,7 +16131,7 @@
                 <a:cs typeface="Calibri"/>
                 <a:sym typeface="Calibri"/>
               </a:rPr>
-              <a:t>×</a:t>
+              <a:t>×2</a:t>
             </a:r>
             <a:r>
               <a:rPr lang="ja-JP" altLang="en-US" sz="1050" dirty="0">
@@ -15993,7 +16143,7 @@
                 <a:cs typeface="Calibri"/>
                 <a:sym typeface="Calibri"/>
               </a:rPr>
-              <a:t>１個</a:t>
+              <a:t>個</a:t>
             </a:r>
             <a:endParaRPr sz="1050" dirty="0">
               <a:solidFill>
@@ -16015,7 +16165,7 @@
         </p:nvSpPr>
         <p:spPr>
           <a:xfrm>
-            <a:off x="834425" y="2187118"/>
+            <a:off x="865248" y="1347862"/>
             <a:ext cx="1265400" cy="993000"/>
           </a:xfrm>
           <a:prstGeom prst="rect">
@@ -16135,7 +16285,7 @@
                 <a:cs typeface="Calibri"/>
                 <a:sym typeface="Calibri"/>
               </a:rPr>
-              <a:t>7.4V1300mAh </a:t>
+              <a:t>22.2V2200mAh </a:t>
             </a:r>
           </a:p>
           <a:p>
@@ -16151,18 +16301,6 @@
                 <a:sym typeface="Calibri"/>
               </a:rPr>
               <a:t>×2</a:t>
-            </a:r>
-            <a:r>
-              <a:rPr lang="ja-JP" altLang="en-US" sz="1100" dirty="0">
-                <a:solidFill>
-                  <a:schemeClr val="dk1"/>
-                </a:solidFill>
-                <a:latin typeface="Calibri"/>
-                <a:ea typeface="Calibri"/>
-                <a:cs typeface="Calibri"/>
-                <a:sym typeface="Calibri"/>
-              </a:rPr>
-              <a:t>直列</a:t>
             </a:r>
             <a:endParaRPr sz="1100" dirty="0">
               <a:solidFill>
@@ -16220,7 +16358,7 @@
         </p:nvSpPr>
         <p:spPr>
           <a:xfrm>
-            <a:off x="4911092" y="2382844"/>
+            <a:off x="5488105" y="1599105"/>
             <a:ext cx="1176000" cy="461700"/>
           </a:xfrm>
           <a:prstGeom prst="rect">
@@ -16246,7 +16384,7 @@
           <a:lstStyle/>
           <a:p>
             <a:r>
-              <a:rPr lang="ja-JP" altLang="en-US" sz="1200">
+              <a:rPr lang="ja-JP" altLang="en-US" sz="1200" dirty="0">
                 <a:solidFill>
                   <a:schemeClr val="dk1"/>
                 </a:solidFill>
@@ -16258,7 +16396,7 @@
               <a:t>モータードライバー</a:t>
             </a:r>
             <a:r>
-              <a:rPr lang="en-US" altLang="ja-JP" sz="1200">
+              <a:rPr lang="en-US" altLang="ja-JP" sz="1200" dirty="0">
                 <a:solidFill>
                   <a:schemeClr val="dk1"/>
                 </a:solidFill>
@@ -16267,10 +16405,10 @@
                 <a:cs typeface="Calibri"/>
                 <a:sym typeface="Calibri"/>
               </a:rPr>
-              <a:t>×7</a:t>
+              <a:t>×4</a:t>
             </a:r>
             <a:r>
-              <a:rPr lang="ja-JP" altLang="en-US" sz="1200">
+              <a:rPr lang="ja-JP" altLang="en-US" sz="1200" dirty="0">
                 <a:solidFill>
                   <a:schemeClr val="dk1"/>
                 </a:solidFill>
@@ -16281,7 +16419,7 @@
               </a:rPr>
               <a:t>個</a:t>
             </a:r>
-            <a:endParaRPr sz="1200">
+            <a:endParaRPr sz="1200" dirty="0">
               <a:solidFill>
                 <a:schemeClr val="dk1"/>
               </a:solidFill>
@@ -16301,8 +16439,8 @@
         </p:nvSpPr>
         <p:spPr>
           <a:xfrm>
-            <a:off x="7021345" y="2289442"/>
-            <a:ext cx="1116300" cy="646200"/>
+            <a:off x="7039971" y="1536792"/>
+            <a:ext cx="1116300" cy="655722"/>
           </a:xfrm>
           <a:prstGeom prst="rect">
             <a:avLst/>
@@ -16371,7 +16509,7 @@
                 <a:cs typeface="Calibri"/>
                 <a:sym typeface="Calibri"/>
               </a:rPr>
-              <a:t>RS-555SH×7</a:t>
+              <a:t>RS-555SH×4</a:t>
             </a:r>
             <a:r>
               <a:rPr lang="ja-JP" altLang="en-US" sz="1200" dirty="0">
@@ -16397,57 +16535,6 @@
           </a:p>
         </p:txBody>
       </p:sp>
-      <p:sp>
-        <p:nvSpPr>
-          <p:cNvPr id="112" name="Google Shape;112;g9c0c5dd9de_0_36"/>
-          <p:cNvSpPr txBox="1"/>
-          <p:nvPr/>
-        </p:nvSpPr>
-        <p:spPr>
-          <a:xfrm>
-            <a:off x="6276445" y="2315056"/>
-            <a:ext cx="554700" cy="276900"/>
-          </a:xfrm>
-          <a:prstGeom prst="rect">
-            <a:avLst/>
-          </a:prstGeom>
-          <a:solidFill>
-            <a:schemeClr val="lt1"/>
-          </a:solidFill>
-          <a:ln>
-            <a:noFill/>
-          </a:ln>
-        </p:spPr>
-        <p:txBody>
-          <a:bodyPr spcFirstLastPara="1" wrap="square" lIns="91425" tIns="45700" rIns="91425" bIns="45700" anchor="t" anchorCtr="0">
-            <a:noAutofit/>
-          </a:bodyPr>
-          <a:lstStyle/>
-          <a:p>
-            <a:r>
-              <a:rPr lang="en-US" altLang="ja-JP" sz="1200" dirty="0">
-                <a:solidFill>
-                  <a:schemeClr val="dk1"/>
-                </a:solidFill>
-                <a:latin typeface="Calibri"/>
-                <a:ea typeface="Calibri"/>
-                <a:cs typeface="Calibri"/>
-                <a:sym typeface="Calibri"/>
-              </a:rPr>
-              <a:t>PWM</a:t>
-            </a:r>
-            <a:endParaRPr sz="1200" dirty="0">
-              <a:solidFill>
-                <a:schemeClr val="dk1"/>
-              </a:solidFill>
-              <a:latin typeface="Calibri"/>
-              <a:ea typeface="Calibri"/>
-              <a:cs typeface="Calibri"/>
-              <a:sym typeface="Calibri"/>
-            </a:endParaRPr>
-          </a:p>
-        </p:txBody>
-      </p:sp>
       <p:cxnSp>
         <p:nvCxnSpPr>
           <p:cNvPr id="6" name="直線コネクタ 5">
@@ -16457,13 +16544,15 @@
               </a:ext>
             </a:extLst>
           </p:cNvPr>
-          <p:cNvCxnSpPr/>
+          <p:cNvCxnSpPr>
+            <a:cxnSpLocks/>
+          </p:cNvCxnSpPr>
           <p:nvPr/>
         </p:nvCxnSpPr>
         <p:spPr>
           <a:xfrm>
-            <a:off x="5338618" y="2844544"/>
-            <a:ext cx="0" cy="692983"/>
+            <a:off x="5855570" y="2061047"/>
+            <a:ext cx="1539" cy="1558857"/>
           </a:xfrm>
           <a:prstGeom prst="line">
             <a:avLst/>
@@ -16501,7 +16590,7 @@
         </p:nvSpPr>
         <p:spPr>
           <a:xfrm>
-            <a:off x="4911092" y="3551757"/>
+            <a:off x="4911091" y="3502036"/>
             <a:ext cx="1176000" cy="461700"/>
           </a:xfrm>
           <a:prstGeom prst="rect">
@@ -16587,7 +16676,7 @@
         </p:nvSpPr>
         <p:spPr>
           <a:xfrm>
-            <a:off x="2947840" y="1132401"/>
+            <a:off x="4473467" y="-1154432"/>
             <a:ext cx="3605955" cy="914400"/>
           </a:xfrm>
           <a:prstGeom prst="roundRect">
@@ -16642,6 +16731,671 @@
               <a:rPr kumimoji="1" lang="ja-JP" altLang="en-US" b="1" dirty="0"/>
               <a:t>駆動系と回路制御系をまとめて書いても大丈夫です．書き切れない場合はサンプルのように分けて書いて下さい．</a:t>
             </a:r>
+          </a:p>
+        </p:txBody>
+      </p:sp>
+      <p:cxnSp>
+        <p:nvCxnSpPr>
+          <p:cNvPr id="16" name="Google Shape;90;g9c0c5dd9de_0_36">
+            <a:extLst>
+              <a:ext uri="{FF2B5EF4-FFF2-40B4-BE49-F238E27FC236}">
+                <a16:creationId xmlns:a16="http://schemas.microsoft.com/office/drawing/2014/main" id="{39DAA8D9-09C1-77C9-128D-8C5B9CE2A6AE}"/>
+              </a:ext>
+            </a:extLst>
+          </p:cNvPr>
+          <p:cNvCxnSpPr>
+            <a:cxnSpLocks/>
+            <a:endCxn id="34" idx="1"/>
+          </p:cNvCxnSpPr>
+          <p:nvPr/>
+        </p:nvCxnSpPr>
+        <p:spPr>
+          <a:xfrm>
+            <a:off x="4750817" y="1430856"/>
+            <a:ext cx="3678589" cy="6405"/>
+          </a:xfrm>
+          <a:prstGeom prst="straightConnector1">
+            <a:avLst/>
+          </a:prstGeom>
+          <a:noFill/>
+          <a:ln w="38100" cap="flat" cmpd="sng">
+            <a:solidFill>
+              <a:srgbClr val="FF0000"/>
+            </a:solidFill>
+            <a:prstDash val="solid"/>
+            <a:miter lim="800000"/>
+            <a:headEnd type="none" w="sm" len="sm"/>
+            <a:tailEnd type="none" w="sm" len="sm"/>
+          </a:ln>
+        </p:spPr>
+      </p:cxnSp>
+      <p:cxnSp>
+        <p:nvCxnSpPr>
+          <p:cNvPr id="18" name="Google Shape;88;g9c0c5dd9de_0_36">
+            <a:extLst>
+              <a:ext uri="{FF2B5EF4-FFF2-40B4-BE49-F238E27FC236}">
+                <a16:creationId xmlns:a16="http://schemas.microsoft.com/office/drawing/2014/main" id="{11E7B436-7867-DAE0-20CE-71BCA7C6B3DD}"/>
+              </a:ext>
+            </a:extLst>
+          </p:cNvPr>
+          <p:cNvCxnSpPr>
+            <a:cxnSpLocks/>
+          </p:cNvCxnSpPr>
+          <p:nvPr/>
+        </p:nvCxnSpPr>
+        <p:spPr>
+          <a:xfrm flipH="1" flipV="1">
+            <a:off x="4766427" y="1391754"/>
+            <a:ext cx="5960" cy="1029644"/>
+          </a:xfrm>
+          <a:prstGeom prst="straightConnector1">
+            <a:avLst/>
+          </a:prstGeom>
+          <a:noFill/>
+          <a:ln w="38100" cap="flat" cmpd="sng">
+            <a:solidFill>
+              <a:srgbClr val="FF0000"/>
+            </a:solidFill>
+            <a:prstDash val="dash"/>
+            <a:miter lim="800000"/>
+            <a:headEnd type="none" w="sm" len="sm"/>
+            <a:tailEnd type="none" w="sm" len="sm"/>
+          </a:ln>
+        </p:spPr>
+      </p:cxnSp>
+      <p:sp>
+        <p:nvSpPr>
+          <p:cNvPr id="24" name="Google Shape;110;g9c0c5dd9de_0_36">
+            <a:extLst>
+              <a:ext uri="{FF2B5EF4-FFF2-40B4-BE49-F238E27FC236}">
+                <a16:creationId xmlns:a16="http://schemas.microsoft.com/office/drawing/2014/main" id="{73253BA3-CDCB-46F0-C106-EF5C6E4D8B81}"/>
+              </a:ext>
+            </a:extLst>
+          </p:cNvPr>
+          <p:cNvSpPr txBox="1"/>
+          <p:nvPr/>
+        </p:nvSpPr>
+        <p:spPr>
+          <a:xfrm>
+            <a:off x="5038857" y="1047047"/>
+            <a:ext cx="1176000" cy="461700"/>
+          </a:xfrm>
+          <a:prstGeom prst="rect">
+            <a:avLst/>
+          </a:prstGeom>
+          <a:solidFill>
+            <a:schemeClr val="lt1"/>
+          </a:solidFill>
+          <a:ln w="28575" cap="flat" cmpd="sng">
+            <a:solidFill>
+              <a:schemeClr val="dk1"/>
+            </a:solidFill>
+            <a:prstDash val="solid"/>
+            <a:miter lim="800000"/>
+            <a:headEnd type="none" w="sm" len="sm"/>
+            <a:tailEnd type="none" w="sm" len="sm"/>
+          </a:ln>
+        </p:spPr>
+        <p:txBody>
+          <a:bodyPr spcFirstLastPara="1" wrap="square" lIns="91425" tIns="45700" rIns="91425" bIns="45700" anchor="t" anchorCtr="0">
+            <a:noAutofit/>
+          </a:bodyPr>
+          <a:lstStyle/>
+          <a:p>
+            <a:r>
+              <a:rPr lang="en-US" altLang="ja-JP" sz="1100" b="0" i="0" dirty="0" err="1">
+                <a:solidFill>
+                  <a:srgbClr val="3B3E40"/>
+                </a:solidFill>
+                <a:effectLst/>
+                <a:latin typeface="Open Sans" panose="020B0606030504020204" pitchFamily="34" charset="0"/>
+              </a:rPr>
+              <a:t>RoboMaster</a:t>
+            </a:r>
+            <a:r>
+              <a:rPr lang="en-US" altLang="ja-JP" sz="1100" b="0" i="0" dirty="0">
+                <a:solidFill>
+                  <a:srgbClr val="3B3E40"/>
+                </a:solidFill>
+                <a:effectLst/>
+                <a:latin typeface="Open Sans" panose="020B0606030504020204" pitchFamily="34" charset="0"/>
+              </a:rPr>
+              <a:t> C620 </a:t>
+            </a:r>
+            <a:r>
+              <a:rPr lang="en-US" altLang="ja-JP" sz="1200" dirty="0">
+                <a:solidFill>
+                  <a:schemeClr val="dk1"/>
+                </a:solidFill>
+                <a:latin typeface="Calibri"/>
+                <a:ea typeface="Calibri"/>
+                <a:cs typeface="Calibri"/>
+                <a:sym typeface="Calibri"/>
+              </a:rPr>
+              <a:t>×4</a:t>
+            </a:r>
+            <a:r>
+              <a:rPr lang="ja-JP" altLang="en-US" sz="1200" dirty="0">
+                <a:solidFill>
+                  <a:schemeClr val="dk1"/>
+                </a:solidFill>
+                <a:latin typeface="Calibri"/>
+                <a:ea typeface="Calibri"/>
+                <a:cs typeface="Calibri"/>
+                <a:sym typeface="Calibri"/>
+              </a:rPr>
+              <a:t>個</a:t>
+            </a:r>
+            <a:endParaRPr sz="1200" dirty="0">
+              <a:solidFill>
+                <a:schemeClr val="dk1"/>
+              </a:solidFill>
+              <a:latin typeface="Calibri"/>
+              <a:ea typeface="Calibri"/>
+              <a:cs typeface="Calibri"/>
+              <a:sym typeface="Calibri"/>
+            </a:endParaRPr>
+          </a:p>
+        </p:txBody>
+      </p:sp>
+      <p:cxnSp>
+        <p:nvCxnSpPr>
+          <p:cNvPr id="29" name="直線コネクタ 28">
+            <a:extLst>
+              <a:ext uri="{FF2B5EF4-FFF2-40B4-BE49-F238E27FC236}">
+                <a16:creationId xmlns:a16="http://schemas.microsoft.com/office/drawing/2014/main" id="{BB14EEDA-D429-9DA2-0FFD-2EBFB08F5B3C}"/>
+              </a:ext>
+            </a:extLst>
+          </p:cNvPr>
+          <p:cNvCxnSpPr>
+            <a:cxnSpLocks/>
+          </p:cNvCxnSpPr>
+          <p:nvPr/>
+        </p:nvCxnSpPr>
+        <p:spPr>
+          <a:xfrm>
+            <a:off x="5126065" y="1494667"/>
+            <a:ext cx="10229" cy="2035566"/>
+          </a:xfrm>
+          <a:prstGeom prst="line">
+            <a:avLst/>
+          </a:prstGeom>
+          <a:ln w="38100">
+            <a:prstDash val="dash"/>
+          </a:ln>
+        </p:spPr>
+        <p:style>
+          <a:lnRef idx="1">
+            <a:schemeClr val="accent1"/>
+          </a:lnRef>
+          <a:fillRef idx="0">
+            <a:schemeClr val="accent1"/>
+          </a:fillRef>
+          <a:effectRef idx="0">
+            <a:schemeClr val="accent1"/>
+          </a:effectRef>
+          <a:fontRef idx="minor">
+            <a:schemeClr val="tx1"/>
+          </a:fontRef>
+        </p:style>
+      </p:cxnSp>
+      <p:sp>
+        <p:nvSpPr>
+          <p:cNvPr id="34" name="Google Shape;111;g9c0c5dd9de_0_36">
+            <a:extLst>
+              <a:ext uri="{FF2B5EF4-FFF2-40B4-BE49-F238E27FC236}">
+                <a16:creationId xmlns:a16="http://schemas.microsoft.com/office/drawing/2014/main" id="{EDEFE231-7CD7-52E8-F05D-46DA909897AA}"/>
+              </a:ext>
+            </a:extLst>
+          </p:cNvPr>
+          <p:cNvSpPr txBox="1"/>
+          <p:nvPr/>
+        </p:nvSpPr>
+        <p:spPr>
+          <a:xfrm>
+            <a:off x="8429406" y="1047047"/>
+            <a:ext cx="1116299" cy="780428"/>
+          </a:xfrm>
+          <a:prstGeom prst="rect">
+            <a:avLst/>
+          </a:prstGeom>
+          <a:solidFill>
+            <a:schemeClr val="lt1"/>
+          </a:solidFill>
+          <a:ln w="28575" cap="flat" cmpd="sng">
+            <a:solidFill>
+              <a:schemeClr val="dk1"/>
+            </a:solidFill>
+            <a:prstDash val="solid"/>
+            <a:miter lim="800000"/>
+            <a:headEnd type="none" w="sm" len="sm"/>
+            <a:tailEnd type="none" w="sm" len="sm"/>
+          </a:ln>
+        </p:spPr>
+        <p:txBody>
+          <a:bodyPr spcFirstLastPara="1" wrap="square" lIns="91425" tIns="45700" rIns="91425" bIns="45700" anchor="t" anchorCtr="0">
+            <a:noAutofit/>
+          </a:bodyPr>
+          <a:lstStyle/>
+          <a:p>
+            <a:r>
+              <a:rPr lang="en-US" altLang="ja-JP" sz="1100" b="0" i="0" dirty="0" err="1">
+                <a:solidFill>
+                  <a:srgbClr val="222222"/>
+                </a:solidFill>
+                <a:effectLst/>
+                <a:latin typeface="Open Sans" panose="020F0502020204030204" pitchFamily="34" charset="0"/>
+              </a:rPr>
+              <a:t>Robomaster</a:t>
+            </a:r>
+            <a:r>
+              <a:rPr lang="en-US" altLang="ja-JP" sz="1100" b="0" i="0" dirty="0">
+                <a:solidFill>
+                  <a:srgbClr val="222222"/>
+                </a:solidFill>
+                <a:effectLst/>
+                <a:latin typeface="Open Sans" panose="020F0502020204030204" pitchFamily="34" charset="0"/>
+              </a:rPr>
+              <a:t> M2006</a:t>
+            </a:r>
+            <a:r>
+              <a:rPr lang="ja-JP" altLang="en-US" sz="1100" b="0" i="0" dirty="0">
+                <a:solidFill>
+                  <a:srgbClr val="222222"/>
+                </a:solidFill>
+                <a:effectLst/>
+                <a:latin typeface="Open Sans" panose="020F0502020204030204" pitchFamily="34" charset="0"/>
+              </a:rPr>
+              <a:t>ブラシレス</a:t>
+            </a:r>
+            <a:r>
+              <a:rPr lang="en-US" altLang="ja-JP" sz="1100" b="0" i="0" dirty="0">
+                <a:solidFill>
+                  <a:srgbClr val="222222"/>
+                </a:solidFill>
+                <a:effectLst/>
+                <a:latin typeface="Open Sans" panose="020F0502020204030204" pitchFamily="34" charset="0"/>
+              </a:rPr>
+              <a:t>dc</a:t>
+            </a:r>
+            <a:r>
+              <a:rPr lang="ja-JP" altLang="en-US" sz="1100" b="0" i="0" dirty="0">
+                <a:solidFill>
+                  <a:srgbClr val="222222"/>
+                </a:solidFill>
+                <a:effectLst/>
+                <a:latin typeface="Open Sans" panose="020F0502020204030204" pitchFamily="34" charset="0"/>
+              </a:rPr>
+              <a:t>ギアモーター</a:t>
+            </a:r>
+            <a:r>
+              <a:rPr lang="en-US" altLang="ja-JP" sz="1100" dirty="0">
+                <a:solidFill>
+                  <a:srgbClr val="222222"/>
+                </a:solidFill>
+                <a:latin typeface="Open Sans" panose="020F0502020204030204" pitchFamily="34" charset="0"/>
+              </a:rPr>
+              <a:t>×4</a:t>
+            </a:r>
+            <a:endParaRPr sz="1100" dirty="0">
+              <a:solidFill>
+                <a:schemeClr val="dk1"/>
+              </a:solidFill>
+              <a:latin typeface="Calibri"/>
+              <a:ea typeface="Calibri"/>
+              <a:cs typeface="Calibri"/>
+              <a:sym typeface="Calibri"/>
+            </a:endParaRPr>
+          </a:p>
+        </p:txBody>
+      </p:sp>
+      <p:cxnSp>
+        <p:nvCxnSpPr>
+          <p:cNvPr id="47" name="Google Shape;90;g9c0c5dd9de_0_36">
+            <a:extLst>
+              <a:ext uri="{FF2B5EF4-FFF2-40B4-BE49-F238E27FC236}">
+                <a16:creationId xmlns:a16="http://schemas.microsoft.com/office/drawing/2014/main" id="{7F6B4E22-135E-22F7-C95A-42ECCE3586A6}"/>
+              </a:ext>
+            </a:extLst>
+          </p:cNvPr>
+          <p:cNvCxnSpPr>
+            <a:cxnSpLocks/>
+            <a:stCxn id="49" idx="3"/>
+          </p:cNvCxnSpPr>
+          <p:nvPr/>
+        </p:nvCxnSpPr>
+        <p:spPr>
+          <a:xfrm>
+            <a:off x="5548502" y="2669328"/>
+            <a:ext cx="690321" cy="3964"/>
+          </a:xfrm>
+          <a:prstGeom prst="straightConnector1">
+            <a:avLst/>
+          </a:prstGeom>
+          <a:noFill/>
+          <a:ln w="38100" cap="flat" cmpd="sng">
+            <a:solidFill>
+              <a:srgbClr val="FF0000"/>
+            </a:solidFill>
+            <a:prstDash val="solid"/>
+            <a:miter lim="800000"/>
+            <a:headEnd type="none" w="sm" len="sm"/>
+            <a:tailEnd type="none" w="sm" len="sm"/>
+          </a:ln>
+        </p:spPr>
+      </p:cxnSp>
+      <p:sp>
+        <p:nvSpPr>
+          <p:cNvPr id="49" name="Google Shape;110;g9c0c5dd9de_0_36">
+            <a:extLst>
+              <a:ext uri="{FF2B5EF4-FFF2-40B4-BE49-F238E27FC236}">
+                <a16:creationId xmlns:a16="http://schemas.microsoft.com/office/drawing/2014/main" id="{DF88DE63-C35D-BA6C-9AF3-1C7F3B805180}"/>
+              </a:ext>
+            </a:extLst>
+          </p:cNvPr>
+          <p:cNvSpPr txBox="1"/>
+          <p:nvPr/>
+        </p:nvSpPr>
+        <p:spPr>
+          <a:xfrm>
+            <a:off x="4453676" y="2426036"/>
+            <a:ext cx="1094826" cy="486583"/>
+          </a:xfrm>
+          <a:prstGeom prst="rect">
+            <a:avLst/>
+          </a:prstGeom>
+          <a:solidFill>
+            <a:schemeClr val="lt1"/>
+          </a:solidFill>
+          <a:ln w="28575" cap="flat" cmpd="sng">
+            <a:solidFill>
+              <a:schemeClr val="dk1"/>
+            </a:solidFill>
+            <a:prstDash val="solid"/>
+            <a:miter lim="800000"/>
+            <a:headEnd type="none" w="sm" len="sm"/>
+            <a:tailEnd type="none" w="sm" len="sm"/>
+          </a:ln>
+        </p:spPr>
+        <p:txBody>
+          <a:bodyPr spcFirstLastPara="1" wrap="square" lIns="91425" tIns="45700" rIns="91425" bIns="45700" anchor="t" anchorCtr="0">
+            <a:noAutofit/>
+          </a:bodyPr>
+          <a:lstStyle/>
+          <a:p>
+            <a:r>
+              <a:rPr lang="ja-JP" altLang="en-US" sz="1200" dirty="0">
+                <a:solidFill>
+                  <a:schemeClr val="dk1"/>
+                </a:solidFill>
+                <a:latin typeface="Calibri"/>
+                <a:ea typeface="Calibri"/>
+                <a:cs typeface="Calibri"/>
+                <a:sym typeface="Calibri"/>
+              </a:rPr>
+              <a:t>昇圧回路</a:t>
+            </a:r>
+            <a:endParaRPr lang="en-US" altLang="ja-JP" sz="1200" dirty="0">
+              <a:solidFill>
+                <a:schemeClr val="dk1"/>
+              </a:solidFill>
+              <a:latin typeface="Calibri"/>
+              <a:ea typeface="Calibri"/>
+              <a:cs typeface="Calibri"/>
+              <a:sym typeface="Calibri"/>
+            </a:endParaRPr>
+          </a:p>
+          <a:p>
+            <a:r>
+              <a:rPr lang="en-US" sz="1200" dirty="0">
+                <a:solidFill>
+                  <a:schemeClr val="dk1"/>
+                </a:solidFill>
+                <a:latin typeface="Calibri"/>
+                <a:ea typeface="Calibri"/>
+                <a:cs typeface="Calibri"/>
+                <a:sym typeface="Calibri"/>
+              </a:rPr>
+              <a:t>5V</a:t>
+            </a:r>
+            <a:r>
+              <a:rPr lang="ja-JP" altLang="en-US" sz="1200" dirty="0">
+                <a:solidFill>
+                  <a:schemeClr val="dk1"/>
+                </a:solidFill>
+                <a:latin typeface="Calibri"/>
+                <a:ea typeface="Calibri"/>
+                <a:cs typeface="Calibri"/>
+                <a:sym typeface="Calibri"/>
+              </a:rPr>
+              <a:t>⇒</a:t>
+            </a:r>
+            <a:r>
+              <a:rPr lang="en-US" altLang="ja-JP" sz="1200" dirty="0">
+                <a:solidFill>
+                  <a:schemeClr val="dk1"/>
+                </a:solidFill>
+                <a:latin typeface="Calibri"/>
+                <a:ea typeface="Calibri"/>
+                <a:cs typeface="Calibri"/>
+                <a:sym typeface="Calibri"/>
+              </a:rPr>
+              <a:t>12V&amp;24V</a:t>
+            </a:r>
+            <a:endParaRPr sz="1200" dirty="0">
+              <a:solidFill>
+                <a:schemeClr val="dk1"/>
+              </a:solidFill>
+              <a:latin typeface="Calibri"/>
+              <a:ea typeface="Calibri"/>
+              <a:cs typeface="Calibri"/>
+              <a:sym typeface="Calibri"/>
+            </a:endParaRPr>
+          </a:p>
+        </p:txBody>
+      </p:sp>
+      <p:sp>
+        <p:nvSpPr>
+          <p:cNvPr id="51" name="Google Shape;110;g9c0c5dd9de_0_36">
+            <a:extLst>
+              <a:ext uri="{FF2B5EF4-FFF2-40B4-BE49-F238E27FC236}">
+                <a16:creationId xmlns:a16="http://schemas.microsoft.com/office/drawing/2014/main" id="{0CD027B4-34E6-52E8-371D-7D07C6E7B271}"/>
+              </a:ext>
+            </a:extLst>
+          </p:cNvPr>
+          <p:cNvSpPr txBox="1"/>
+          <p:nvPr/>
+        </p:nvSpPr>
+        <p:spPr>
+          <a:xfrm>
+            <a:off x="6232356" y="2416621"/>
+            <a:ext cx="807615" cy="486583"/>
+          </a:xfrm>
+          <a:prstGeom prst="rect">
+            <a:avLst/>
+          </a:prstGeom>
+          <a:solidFill>
+            <a:schemeClr val="lt1"/>
+          </a:solidFill>
+          <a:ln w="28575" cap="flat" cmpd="sng">
+            <a:solidFill>
+              <a:schemeClr val="dk1"/>
+            </a:solidFill>
+            <a:prstDash val="solid"/>
+            <a:miter lim="800000"/>
+            <a:headEnd type="none" w="sm" len="sm"/>
+            <a:tailEnd type="none" w="sm" len="sm"/>
+          </a:ln>
+        </p:spPr>
+        <p:txBody>
+          <a:bodyPr spcFirstLastPara="1" wrap="square" lIns="91425" tIns="45700" rIns="91425" bIns="45700" anchor="t" anchorCtr="0">
+            <a:noAutofit/>
+          </a:bodyPr>
+          <a:lstStyle/>
+          <a:p>
+            <a:r>
+              <a:rPr lang="ja-JP" altLang="en-US" sz="1200" dirty="0">
+                <a:solidFill>
+                  <a:schemeClr val="dk1"/>
+                </a:solidFill>
+                <a:latin typeface="Calibri"/>
+                <a:ea typeface="Calibri"/>
+                <a:cs typeface="Calibri"/>
+                <a:sym typeface="Calibri"/>
+              </a:rPr>
+              <a:t>電磁弁</a:t>
+            </a:r>
+            <a:endParaRPr sz="1200" dirty="0">
+              <a:solidFill>
+                <a:schemeClr val="dk1"/>
+              </a:solidFill>
+              <a:latin typeface="Calibri"/>
+              <a:ea typeface="Calibri"/>
+              <a:cs typeface="Calibri"/>
+              <a:sym typeface="Calibri"/>
+            </a:endParaRPr>
+          </a:p>
+        </p:txBody>
+      </p:sp>
+      <p:cxnSp>
+        <p:nvCxnSpPr>
+          <p:cNvPr id="70" name="Google Shape;88;g9c0c5dd9de_0_36">
+            <a:extLst>
+              <a:ext uri="{FF2B5EF4-FFF2-40B4-BE49-F238E27FC236}">
+                <a16:creationId xmlns:a16="http://schemas.microsoft.com/office/drawing/2014/main" id="{1270AE72-CD96-06B2-BD98-E9CC2B44DAF2}"/>
+              </a:ext>
+            </a:extLst>
+          </p:cNvPr>
+          <p:cNvCxnSpPr>
+            <a:cxnSpLocks/>
+          </p:cNvCxnSpPr>
+          <p:nvPr/>
+        </p:nvCxnSpPr>
+        <p:spPr>
+          <a:xfrm flipH="1" flipV="1">
+            <a:off x="8270506" y="1437261"/>
+            <a:ext cx="19352" cy="1126787"/>
+          </a:xfrm>
+          <a:prstGeom prst="straightConnector1">
+            <a:avLst/>
+          </a:prstGeom>
+          <a:noFill/>
+          <a:ln w="38100" cap="flat" cmpd="sng">
+            <a:solidFill>
+              <a:srgbClr val="FF0000"/>
+            </a:solidFill>
+            <a:prstDash val="dash"/>
+            <a:miter lim="800000"/>
+            <a:headEnd type="none" w="sm" len="sm"/>
+            <a:tailEnd type="none" w="sm" len="sm"/>
+          </a:ln>
+        </p:spPr>
+      </p:cxnSp>
+      <p:cxnSp>
+        <p:nvCxnSpPr>
+          <p:cNvPr id="72" name="Google Shape;88;g9c0c5dd9de_0_36">
+            <a:extLst>
+              <a:ext uri="{FF2B5EF4-FFF2-40B4-BE49-F238E27FC236}">
+                <a16:creationId xmlns:a16="http://schemas.microsoft.com/office/drawing/2014/main" id="{5A469AAE-B48B-515F-01A9-C609C1ED9312}"/>
+              </a:ext>
+            </a:extLst>
+          </p:cNvPr>
+          <p:cNvCxnSpPr>
+            <a:cxnSpLocks/>
+          </p:cNvCxnSpPr>
+          <p:nvPr/>
+        </p:nvCxnSpPr>
+        <p:spPr>
+          <a:xfrm flipH="1" flipV="1">
+            <a:off x="8289858" y="2553992"/>
+            <a:ext cx="945309" cy="6766"/>
+          </a:xfrm>
+          <a:prstGeom prst="straightConnector1">
+            <a:avLst/>
+          </a:prstGeom>
+          <a:noFill/>
+          <a:ln w="38100" cap="flat" cmpd="sng">
+            <a:solidFill>
+              <a:srgbClr val="FF0000"/>
+            </a:solidFill>
+            <a:prstDash val="dash"/>
+            <a:miter lim="800000"/>
+            <a:headEnd type="none" w="sm" len="sm"/>
+            <a:tailEnd type="none" w="sm" len="sm"/>
+          </a:ln>
+        </p:spPr>
+      </p:cxnSp>
+      <p:sp>
+        <p:nvSpPr>
+          <p:cNvPr id="74" name="Google Shape;110;g9c0c5dd9de_0_36">
+            <a:extLst>
+              <a:ext uri="{FF2B5EF4-FFF2-40B4-BE49-F238E27FC236}">
+                <a16:creationId xmlns:a16="http://schemas.microsoft.com/office/drawing/2014/main" id="{F68E8B5F-2709-5E25-5593-3903630127BC}"/>
+              </a:ext>
+            </a:extLst>
+          </p:cNvPr>
+          <p:cNvSpPr txBox="1"/>
+          <p:nvPr/>
+        </p:nvSpPr>
+        <p:spPr>
+          <a:xfrm>
+            <a:off x="8429406" y="2269158"/>
+            <a:ext cx="1001879" cy="486583"/>
+          </a:xfrm>
+          <a:prstGeom prst="rect">
+            <a:avLst/>
+          </a:prstGeom>
+          <a:solidFill>
+            <a:schemeClr val="lt1"/>
+          </a:solidFill>
+          <a:ln w="28575" cap="flat" cmpd="sng">
+            <a:solidFill>
+              <a:schemeClr val="dk1"/>
+            </a:solidFill>
+            <a:prstDash val="solid"/>
+            <a:miter lim="800000"/>
+            <a:headEnd type="none" w="sm" len="sm"/>
+            <a:tailEnd type="none" w="sm" len="sm"/>
+          </a:ln>
+        </p:spPr>
+        <p:txBody>
+          <a:bodyPr spcFirstLastPara="1" wrap="square" lIns="91425" tIns="45700" rIns="91425" bIns="45700" anchor="t" anchorCtr="0">
+            <a:noAutofit/>
+          </a:bodyPr>
+          <a:lstStyle/>
+          <a:p>
+            <a:r>
+              <a:rPr lang="ja-JP" altLang="en-US" sz="1200" dirty="0">
+                <a:solidFill>
+                  <a:schemeClr val="dk1"/>
+                </a:solidFill>
+                <a:latin typeface="Calibri"/>
+                <a:ea typeface="Calibri"/>
+                <a:cs typeface="Calibri"/>
+                <a:sym typeface="Calibri"/>
+              </a:rPr>
+              <a:t>エアポンプ</a:t>
+            </a:r>
+            <a:endParaRPr lang="en-US" altLang="ja-JP" sz="1200" dirty="0">
+              <a:solidFill>
+                <a:schemeClr val="dk1"/>
+              </a:solidFill>
+              <a:latin typeface="Calibri"/>
+              <a:ea typeface="Calibri"/>
+              <a:cs typeface="Calibri"/>
+              <a:sym typeface="Calibri"/>
+            </a:endParaRPr>
+          </a:p>
+          <a:p>
+            <a:endParaRPr sz="1200" dirty="0">
+              <a:solidFill>
+                <a:schemeClr val="dk1"/>
+              </a:solidFill>
+              <a:latin typeface="Calibri"/>
+              <a:ea typeface="Calibri"/>
+              <a:cs typeface="Calibri"/>
+              <a:sym typeface="Calibri"/>
+            </a:endParaRPr>
           </a:p>
         </p:txBody>
       </p:sp>
@@ -16795,31 +17549,7 @@
                 <a:cs typeface="Calibri"/>
                 <a:sym typeface="Calibri"/>
               </a:rPr>
-              <a:t>○○高専　△△キャンパス　</a:t>
-            </a:r>
-            <a:r>
-              <a:rPr lang="en-US" altLang="ja-JP" sz="1800" dirty="0">
-                <a:solidFill>
-                  <a:schemeClr val="dk1"/>
-                </a:solidFill>
-                <a:latin typeface="Calibri"/>
-                <a:ea typeface="Calibri"/>
-                <a:cs typeface="Calibri"/>
-                <a:sym typeface="Calibri"/>
-              </a:rPr>
-              <a:t>A</a:t>
-            </a:r>
-            <a:r>
-              <a:rPr lang="ja-JP" altLang="en-US" sz="1800" dirty="0">
-                <a:solidFill>
-                  <a:schemeClr val="dk1"/>
-                </a:solidFill>
-                <a:latin typeface="Calibri"/>
-                <a:ea typeface="Calibri"/>
-                <a:cs typeface="Calibri"/>
-                <a:sym typeface="Calibri"/>
-              </a:rPr>
-              <a:t>・</a:t>
+              <a:t>神戸高専　</a:t>
             </a:r>
             <a:r>
               <a:rPr lang="en-US" altLang="ja-JP" sz="1800" dirty="0">
@@ -16866,7 +17596,43 @@
                 <a:cs typeface="Calibri"/>
                 <a:sym typeface="Calibri"/>
               </a:rPr>
-              <a:t>プロジェクト名　</a:t>
+              <a:t>プロジェクト名　周回最速</a:t>
+            </a:r>
+            <a:r>
+              <a:rPr lang="en-US" altLang="ja-JP" sz="1800" dirty="0">
+                <a:solidFill>
+                  <a:schemeClr val="dk1"/>
+                </a:solidFill>
+                <a:latin typeface="Calibri"/>
+                <a:ea typeface="Calibri"/>
+                <a:cs typeface="Calibri"/>
+                <a:sym typeface="Calibri"/>
+              </a:rPr>
+              <a:t>(</a:t>
+            </a:r>
+            <a:r>
+              <a:rPr lang="ja-JP" altLang="en-US" sz="1800" dirty="0">
+                <a:solidFill>
+                  <a:schemeClr val="dk1"/>
+                </a:solidFill>
+                <a:latin typeface="Calibri"/>
+                <a:ea typeface="Calibri"/>
+                <a:cs typeface="Calibri"/>
+                <a:sym typeface="Calibri"/>
+              </a:rPr>
+              <a:t>仮</a:t>
+            </a:r>
+            <a:r>
+              <a:rPr lang="en-US" altLang="ja-JP" sz="1800" dirty="0">
+                <a:solidFill>
+                  <a:schemeClr val="dk1"/>
+                </a:solidFill>
+                <a:latin typeface="Calibri"/>
+                <a:ea typeface="Calibri"/>
+                <a:cs typeface="Calibri"/>
+                <a:sym typeface="Calibri"/>
+              </a:rPr>
+              <a:t>)</a:t>
             </a:r>
             <a:endParaRPr sz="1800" dirty="0">
               <a:solidFill>
@@ -16887,7 +17653,7 @@
           <p:nvPr>
             <p:extLst>
               <p:ext uri="{D42A27DB-BD31-4B8C-83A1-F6EECF244321}">
-                <p14:modId xmlns:p14="http://schemas.microsoft.com/office/powerpoint/2010/main" val="4127042411"/>
+                <p14:modId xmlns:p14="http://schemas.microsoft.com/office/powerpoint/2010/main" val="67593752"/>
               </p:ext>
             </p:extLst>
           </p:nvPr>
@@ -17096,6 +17862,19 @@
                         </a:spcAft>
                         <a:buNone/>
                       </a:pPr>
+                      <a:r>
+                        <a:rPr lang="en-US" altLang="ja-JP" sz="1400" b="0" i="0" u="none" strike="noStrike" cap="none" dirty="0">
+                          <a:solidFill>
+                            <a:schemeClr val="dk1"/>
+                          </a:solidFill>
+                          <a:effectLst/>
+                          <a:latin typeface="Calibri"/>
+                          <a:ea typeface="Calibri"/>
+                          <a:cs typeface="Calibri"/>
+                          <a:sym typeface="Arial"/>
+                        </a:rPr>
+                        <a:t>DUALSHOCK3</a:t>
+                      </a:r>
                       <a:endParaRPr sz="1400" dirty="0"/>
                     </a:p>
                   </a:txBody>
@@ -17115,7 +17894,11 @@
                         </a:spcAft>
                         <a:buNone/>
                       </a:pPr>
-                      <a:endParaRPr sz="1400">
+                      <a:r>
+                        <a:rPr lang="en-US" altLang="ja-JP" sz="1400" dirty="0"/>
+                        <a:t>FEP01</a:t>
+                      </a:r>
+                      <a:endParaRPr sz="1400" dirty="0">
                         <a:latin typeface="Calibri"/>
                         <a:ea typeface="Calibri"/>
                         <a:cs typeface="Calibri"/>
@@ -17207,7 +17990,20 @@
                         </a:spcAft>
                         <a:buNone/>
                       </a:pPr>
-                      <a:endParaRPr sz="1400">
+                      <a:r>
+                        <a:rPr lang="en-US" altLang="ja-JP" sz="1400" b="0" i="0" u="none" strike="noStrike" cap="none" dirty="0">
+                          <a:solidFill>
+                            <a:schemeClr val="dk1"/>
+                          </a:solidFill>
+                          <a:effectLst/>
+                          <a:latin typeface="Calibri"/>
+                          <a:ea typeface="Calibri"/>
+                          <a:cs typeface="Calibri"/>
+                          <a:sym typeface="Arial"/>
+                        </a:rPr>
+                        <a:t>007AB0090</a:t>
+                      </a:r>
+                      <a:endParaRPr sz="1400" dirty="0">
                         <a:solidFill>
                           <a:schemeClr val="dk1"/>
                         </a:solidFill>
@@ -17230,6 +18026,19 @@
                         </a:spcAft>
                         <a:buNone/>
                       </a:pPr>
+                      <a:r>
+                        <a:rPr lang="en-US" altLang="ja-JP" sz="1400" b="0" i="0" u="none" strike="noStrike" cap="none" dirty="0">
+                          <a:solidFill>
+                            <a:schemeClr val="dk1"/>
+                          </a:solidFill>
+                          <a:effectLst/>
+                          <a:latin typeface="Calibri"/>
+                          <a:ea typeface="Calibri"/>
+                          <a:cs typeface="Calibri"/>
+                          <a:sym typeface="Arial"/>
+                        </a:rPr>
+                        <a:t>001-A11788</a:t>
+                      </a:r>
                       <a:endParaRPr sz="1400" u="none" dirty="0">
                         <a:solidFill>
                           <a:schemeClr val="dk1"/>
@@ -17344,7 +18153,7 @@
                 <a:cs typeface="Calibri"/>
                 <a:sym typeface="Calibri"/>
               </a:rPr>
-              <a:t>○○地区</a:t>
+              <a:t>近畿地区</a:t>
             </a:r>
             <a:endParaRPr sz="1800" dirty="0">
               <a:solidFill>
@@ -17507,100 +18316,6 @@
       </p:cxnSp>
       <p:sp>
         <p:nvSpPr>
-          <p:cNvPr id="106" name="Google Shape;106;g9c0c5dd9de_0_36"/>
-          <p:cNvSpPr/>
-          <p:nvPr/>
-        </p:nvSpPr>
-        <p:spPr>
-          <a:xfrm>
-            <a:off x="3286041" y="2758002"/>
-            <a:ext cx="742800" cy="685800"/>
-          </a:xfrm>
-          <a:prstGeom prst="rect">
-            <a:avLst/>
-          </a:prstGeom>
-          <a:solidFill>
-            <a:srgbClr val="FF0000"/>
-          </a:solidFill>
-          <a:ln w="12700" cap="flat" cmpd="sng">
-            <a:solidFill>
-              <a:srgbClr val="AC5B23"/>
-            </a:solidFill>
-            <a:prstDash val="solid"/>
-            <a:miter lim="800000"/>
-            <a:headEnd type="none" w="sm" len="sm"/>
-            <a:tailEnd type="none" w="sm" len="sm"/>
-          </a:ln>
-        </p:spPr>
-        <p:txBody>
-          <a:bodyPr spcFirstLastPara="1" wrap="square" lIns="91425" tIns="45700" rIns="91425" bIns="45700" anchor="ctr" anchorCtr="0">
-            <a:noAutofit/>
-          </a:bodyPr>
-          <a:lstStyle/>
-          <a:p>
-            <a:pPr algn="ctr"/>
-            <a:r>
-              <a:rPr lang="ja-JP" altLang="en-US" sz="1050" dirty="0">
-                <a:solidFill>
-                  <a:schemeClr val="lt1"/>
-                </a:solidFill>
-                <a:latin typeface="Calibri"/>
-                <a:ea typeface="Calibri"/>
-                <a:cs typeface="Calibri"/>
-                <a:sym typeface="Calibri"/>
-              </a:rPr>
-              <a:t>リセッタブルヒューズ</a:t>
-            </a:r>
-            <a:endParaRPr lang="en-US" altLang="ja-JP" sz="1050" dirty="0">
-              <a:solidFill>
-                <a:schemeClr val="lt1"/>
-              </a:solidFill>
-              <a:latin typeface="Calibri"/>
-              <a:ea typeface="Calibri"/>
-              <a:cs typeface="Calibri"/>
-              <a:sym typeface="Calibri"/>
-            </a:endParaRPr>
-          </a:p>
-          <a:p>
-            <a:pPr algn="ctr"/>
-            <a:r>
-              <a:rPr lang="en-US" altLang="ja-JP" sz="1050" dirty="0">
-                <a:solidFill>
-                  <a:schemeClr val="lt1"/>
-                </a:solidFill>
-                <a:latin typeface="Calibri"/>
-                <a:ea typeface="Calibri"/>
-                <a:cs typeface="Calibri"/>
-                <a:sym typeface="Calibri"/>
-              </a:rPr>
-              <a:t>6A</a:t>
-            </a:r>
-            <a:r>
-              <a:rPr lang="ja-JP" altLang="en-US" sz="1050" dirty="0">
-                <a:solidFill>
-                  <a:schemeClr val="lt1"/>
-                </a:solidFill>
-                <a:latin typeface="Calibri"/>
-                <a:ea typeface="Calibri"/>
-                <a:cs typeface="Calibri"/>
-                <a:sym typeface="Calibri"/>
-              </a:rPr>
-              <a:t>カット</a:t>
-            </a:r>
-            <a:endParaRPr sz="1050" dirty="0">
-              <a:solidFill>
-                <a:schemeClr val="lt1"/>
-              </a:solidFill>
-              <a:latin typeface="Calibri"/>
-              <a:ea typeface="Calibri"/>
-              <a:cs typeface="Calibri"/>
-              <a:sym typeface="Calibri"/>
-            </a:endParaRPr>
-          </a:p>
-        </p:txBody>
-      </p:sp>
-      <p:sp>
-        <p:nvSpPr>
           <p:cNvPr id="109" name="Google Shape;109;g9c0c5dd9de_0_36"/>
           <p:cNvSpPr/>
           <p:nvPr/>
@@ -17633,7 +18348,7 @@
           <a:lstStyle/>
           <a:p>
             <a:pPr algn="ctr"/>
-            <a:endParaRPr sz="1100">
+            <a:endParaRPr sz="1100" dirty="0">
               <a:solidFill>
                 <a:schemeClr val="dk1"/>
               </a:solidFill>
@@ -17646,7 +18361,7 @@
           <a:p>
             <a:pPr algn="ctr"/>
             <a:r>
-              <a:rPr lang="ja-JP" altLang="en-US" sz="1100">
+              <a:rPr lang="ja-JP" altLang="en-US" sz="1100" dirty="0">
                 <a:solidFill>
                   <a:schemeClr val="dk1"/>
                 </a:solidFill>
@@ -17657,7 +18372,7 @@
               </a:rPr>
               <a:t>回路用電源</a:t>
             </a:r>
-            <a:endParaRPr sz="1100">
+            <a:endParaRPr sz="1100" dirty="0">
               <a:solidFill>
                 <a:schemeClr val="dk1"/>
               </a:solidFill>
@@ -17670,7 +18385,7 @@
           <a:p>
             <a:pPr algn="ctr"/>
             <a:r>
-              <a:rPr lang="ja-JP" altLang="en-US" sz="1100">
+              <a:rPr lang="ja-JP" altLang="en-US" sz="1100" dirty="0">
                 <a:solidFill>
                   <a:schemeClr val="dk1"/>
                 </a:solidFill>
@@ -17681,7 +18396,7 @@
               </a:rPr>
               <a:t>モバイルバッテリー</a:t>
             </a:r>
-            <a:endParaRPr sz="1100">
+            <a:endParaRPr sz="1100" dirty="0">
               <a:solidFill>
                 <a:schemeClr val="dk1"/>
               </a:solidFill>
@@ -17694,7 +18409,7 @@
           <a:p>
             <a:pPr algn="ctr"/>
             <a:r>
-              <a:rPr lang="en-US" altLang="ja-JP" sz="1100">
+              <a:rPr lang="en-US" altLang="ja-JP" sz="1100" dirty="0">
                 <a:solidFill>
                   <a:schemeClr val="dk1"/>
                 </a:solidFill>
@@ -17705,7 +18420,7 @@
               </a:rPr>
               <a:t>10000mAh</a:t>
             </a:r>
-            <a:endParaRPr sz="1100">
+            <a:endParaRPr sz="1100" dirty="0">
               <a:solidFill>
                 <a:schemeClr val="dk1"/>
               </a:solidFill>
@@ -17717,7 +18432,7 @@
           </a:p>
           <a:p>
             <a:pPr algn="ctr"/>
-            <a:endParaRPr sz="1100">
+            <a:endParaRPr sz="1100" dirty="0">
               <a:solidFill>
                 <a:schemeClr val="dk1"/>
               </a:solidFill>
@@ -17737,7 +18452,7 @@
         </p:nvSpPr>
         <p:spPr>
           <a:xfrm>
-            <a:off x="4365000" y="1929525"/>
+            <a:off x="4267254" y="1536477"/>
             <a:ext cx="1176000" cy="461700"/>
           </a:xfrm>
           <a:prstGeom prst="rect">
@@ -17763,7 +18478,7 @@
           <a:lstStyle/>
           <a:p>
             <a:r>
-              <a:rPr lang="ja-JP" altLang="en-US" sz="1200">
+              <a:rPr lang="ja-JP" altLang="en-US" sz="1200" dirty="0">
                 <a:solidFill>
                   <a:schemeClr val="dk1"/>
                 </a:solidFill>
@@ -17775,7 +18490,7 @@
               <a:t>モータードライバー</a:t>
             </a:r>
             <a:r>
-              <a:rPr lang="en-US" altLang="ja-JP" sz="1200">
+              <a:rPr lang="en-US" altLang="ja-JP" sz="1200" dirty="0">
                 <a:solidFill>
                   <a:schemeClr val="dk1"/>
                 </a:solidFill>
@@ -17784,10 +18499,10 @@
                 <a:cs typeface="Calibri"/>
                 <a:sym typeface="Calibri"/>
               </a:rPr>
-              <a:t>×7</a:t>
+              <a:t>×4</a:t>
             </a:r>
             <a:r>
-              <a:rPr lang="ja-JP" altLang="en-US" sz="1200">
+              <a:rPr lang="ja-JP" altLang="en-US" sz="1200" dirty="0">
                 <a:solidFill>
                   <a:schemeClr val="dk1"/>
                 </a:solidFill>
@@ -17798,7 +18513,7 @@
               </a:rPr>
               <a:t>個</a:t>
             </a:r>
-            <a:endParaRPr sz="1200">
+            <a:endParaRPr sz="1200" dirty="0">
               <a:solidFill>
                 <a:schemeClr val="dk1"/>
               </a:solidFill>
@@ -17886,8 +18601,8 @@
         </p:nvSpPr>
         <p:spPr>
           <a:xfrm>
-            <a:off x="6194701" y="2870052"/>
-            <a:ext cx="2056880" cy="461700"/>
+            <a:off x="6194701" y="2870051"/>
+            <a:ext cx="2056880" cy="646191"/>
           </a:xfrm>
           <a:prstGeom prst="rect">
             <a:avLst/>
@@ -17933,7 +18648,7 @@
                 <a:cs typeface="Calibri"/>
                 <a:sym typeface="Calibri"/>
               </a:rPr>
-              <a:t>×2</a:t>
+              <a:t>×8</a:t>
             </a:r>
             <a:endParaRPr sz="1200" dirty="0">
               <a:solidFill>
@@ -17958,7 +18673,30 @@
               </a:rPr>
               <a:t>リミットスイッチ</a:t>
             </a:r>
-            <a:endParaRPr sz="1200" dirty="0">
+            <a:endParaRPr lang="en-US" altLang="ja-JP" sz="1200" dirty="0">
+              <a:solidFill>
+                <a:schemeClr val="dk1"/>
+              </a:solidFill>
+              <a:latin typeface="Calibri"/>
+              <a:ea typeface="Calibri"/>
+              <a:cs typeface="Calibri"/>
+              <a:sym typeface="Calibri"/>
+            </a:endParaRPr>
+          </a:p>
+          <a:p>
+            <a:r>
+              <a:rPr lang="ja-JP" altLang="en-US" sz="1200" dirty="0">
+                <a:solidFill>
+                  <a:schemeClr val="dk1"/>
+                </a:solidFill>
+                <a:latin typeface="Calibri"/>
+                <a:ea typeface="Calibri"/>
+                <a:cs typeface="Calibri"/>
+                <a:sym typeface="Calibri"/>
+              </a:rPr>
+              <a:t>光電センサ</a:t>
+            </a:r>
+            <a:endParaRPr lang="en-US" altLang="ja-JP" sz="1200" dirty="0">
               <a:solidFill>
                 <a:schemeClr val="dk1"/>
               </a:solidFill>
@@ -17979,13 +18717,15 @@
               </a:ext>
             </a:extLst>
           </p:cNvPr>
-          <p:cNvCxnSpPr/>
+          <p:cNvCxnSpPr>
+            <a:cxnSpLocks/>
+          </p:cNvCxnSpPr>
           <p:nvPr/>
         </p:nvCxnSpPr>
         <p:spPr>
           <a:xfrm flipV="1">
-            <a:off x="4784436" y="2391225"/>
-            <a:ext cx="0" cy="478827"/>
+            <a:off x="4784435" y="2038350"/>
+            <a:ext cx="0" cy="831702"/>
           </a:xfrm>
           <a:prstGeom prst="line">
             <a:avLst/>
@@ -18009,6 +18749,286 @@
           </a:fontRef>
         </p:style>
       </p:cxnSp>
+      <p:cxnSp>
+        <p:nvCxnSpPr>
+          <p:cNvPr id="2" name="Google Shape;87;g9c0c5dd9de_0_36">
+            <a:extLst>
+              <a:ext uri="{FF2B5EF4-FFF2-40B4-BE49-F238E27FC236}">
+                <a16:creationId xmlns:a16="http://schemas.microsoft.com/office/drawing/2014/main" id="{256EB01B-37C5-5F9F-E592-33C315B5E55F}"/>
+              </a:ext>
+            </a:extLst>
+          </p:cNvPr>
+          <p:cNvCxnSpPr>
+            <a:cxnSpLocks/>
+          </p:cNvCxnSpPr>
+          <p:nvPr/>
+        </p:nvCxnSpPr>
+        <p:spPr>
+          <a:xfrm>
+            <a:off x="5443254" y="1751142"/>
+            <a:ext cx="867059" cy="0"/>
+          </a:xfrm>
+          <a:prstGeom prst="straightConnector1">
+            <a:avLst/>
+          </a:prstGeom>
+          <a:noFill/>
+          <a:ln w="38100" cap="flat" cmpd="sng">
+            <a:solidFill>
+              <a:srgbClr val="0070C0"/>
+            </a:solidFill>
+            <a:prstDash val="solid"/>
+            <a:miter lim="800000"/>
+            <a:headEnd type="none" w="sm" len="sm"/>
+            <a:tailEnd type="none" w="sm" len="sm"/>
+          </a:ln>
+        </p:spPr>
+      </p:cxnSp>
+      <p:sp>
+        <p:nvSpPr>
+          <p:cNvPr id="9" name="Google Shape;110;g9c0c5dd9de_0_36">
+            <a:extLst>
+              <a:ext uri="{FF2B5EF4-FFF2-40B4-BE49-F238E27FC236}">
+                <a16:creationId xmlns:a16="http://schemas.microsoft.com/office/drawing/2014/main" id="{0E6D7B59-D224-231E-ECEA-C227E9AB6F61}"/>
+              </a:ext>
+            </a:extLst>
+          </p:cNvPr>
+          <p:cNvSpPr txBox="1"/>
+          <p:nvPr/>
+        </p:nvSpPr>
+        <p:spPr>
+          <a:xfrm>
+            <a:off x="5959950" y="1507642"/>
+            <a:ext cx="1176000" cy="461700"/>
+          </a:xfrm>
+          <a:prstGeom prst="rect">
+            <a:avLst/>
+          </a:prstGeom>
+          <a:solidFill>
+            <a:schemeClr val="lt1"/>
+          </a:solidFill>
+          <a:ln w="28575" cap="flat" cmpd="sng">
+            <a:solidFill>
+              <a:schemeClr val="dk1"/>
+            </a:solidFill>
+            <a:prstDash val="solid"/>
+            <a:miter lim="800000"/>
+            <a:headEnd type="none" w="sm" len="sm"/>
+            <a:tailEnd type="none" w="sm" len="sm"/>
+          </a:ln>
+        </p:spPr>
+        <p:txBody>
+          <a:bodyPr spcFirstLastPara="1" wrap="square" lIns="91425" tIns="45700" rIns="91425" bIns="45700" anchor="t" anchorCtr="0">
+            <a:noAutofit/>
+          </a:bodyPr>
+          <a:lstStyle/>
+          <a:p>
+            <a:r>
+              <a:rPr lang="en-US" altLang="ja-JP" sz="1100" b="0" i="0" dirty="0" err="1">
+                <a:solidFill>
+                  <a:srgbClr val="3B3E40"/>
+                </a:solidFill>
+                <a:effectLst/>
+                <a:latin typeface="Open Sans" panose="020B0606030504020204" pitchFamily="34" charset="0"/>
+              </a:rPr>
+              <a:t>RoboMaster</a:t>
+            </a:r>
+            <a:r>
+              <a:rPr lang="en-US" altLang="ja-JP" sz="1100" b="0" i="0" dirty="0">
+                <a:solidFill>
+                  <a:srgbClr val="3B3E40"/>
+                </a:solidFill>
+                <a:effectLst/>
+                <a:latin typeface="Open Sans" panose="020B0606030504020204" pitchFamily="34" charset="0"/>
+              </a:rPr>
+              <a:t> C620 </a:t>
+            </a:r>
+            <a:r>
+              <a:rPr lang="en-US" altLang="ja-JP" sz="1200" dirty="0">
+                <a:solidFill>
+                  <a:schemeClr val="dk1"/>
+                </a:solidFill>
+                <a:latin typeface="Calibri"/>
+                <a:ea typeface="Calibri"/>
+                <a:cs typeface="Calibri"/>
+                <a:sym typeface="Calibri"/>
+              </a:rPr>
+              <a:t>×4</a:t>
+            </a:r>
+            <a:r>
+              <a:rPr lang="ja-JP" altLang="en-US" sz="1200" dirty="0">
+                <a:solidFill>
+                  <a:schemeClr val="dk1"/>
+                </a:solidFill>
+                <a:latin typeface="Calibri"/>
+                <a:ea typeface="Calibri"/>
+                <a:cs typeface="Calibri"/>
+                <a:sym typeface="Calibri"/>
+              </a:rPr>
+              <a:t>個</a:t>
+            </a:r>
+            <a:endParaRPr sz="1200" dirty="0">
+              <a:solidFill>
+                <a:schemeClr val="dk1"/>
+              </a:solidFill>
+              <a:latin typeface="Calibri"/>
+              <a:ea typeface="Calibri"/>
+              <a:cs typeface="Calibri"/>
+              <a:sym typeface="Calibri"/>
+            </a:endParaRPr>
+          </a:p>
+        </p:txBody>
+      </p:sp>
+      <p:cxnSp>
+        <p:nvCxnSpPr>
+          <p:cNvPr id="10" name="直線コネクタ 9">
+            <a:extLst>
+              <a:ext uri="{FF2B5EF4-FFF2-40B4-BE49-F238E27FC236}">
+                <a16:creationId xmlns:a16="http://schemas.microsoft.com/office/drawing/2014/main" id="{594435A5-F306-1485-0C41-FC2D786AD656}"/>
+              </a:ext>
+            </a:extLst>
+          </p:cNvPr>
+          <p:cNvCxnSpPr>
+            <a:cxnSpLocks/>
+          </p:cNvCxnSpPr>
+          <p:nvPr/>
+        </p:nvCxnSpPr>
+        <p:spPr>
+          <a:xfrm flipV="1">
+            <a:off x="3641276" y="2454201"/>
+            <a:ext cx="0" cy="555477"/>
+          </a:xfrm>
+          <a:prstGeom prst="line">
+            <a:avLst/>
+          </a:prstGeom>
+          <a:ln w="38100">
+            <a:prstDash val="dash"/>
+          </a:ln>
+        </p:spPr>
+        <p:style>
+          <a:lnRef idx="1">
+            <a:schemeClr val="accent1"/>
+          </a:lnRef>
+          <a:fillRef idx="0">
+            <a:schemeClr val="accent1"/>
+          </a:fillRef>
+          <a:effectRef idx="0">
+            <a:schemeClr val="accent1"/>
+          </a:effectRef>
+          <a:fontRef idx="minor">
+            <a:schemeClr val="tx1"/>
+          </a:fontRef>
+        </p:style>
+      </p:cxnSp>
+      <p:sp>
+        <p:nvSpPr>
+          <p:cNvPr id="12" name="Google Shape;110;g9c0c5dd9de_0_36">
+            <a:extLst>
+              <a:ext uri="{FF2B5EF4-FFF2-40B4-BE49-F238E27FC236}">
+                <a16:creationId xmlns:a16="http://schemas.microsoft.com/office/drawing/2014/main" id="{22611E6B-0EB7-29B9-A313-D96FB81D1FB0}"/>
+              </a:ext>
+            </a:extLst>
+          </p:cNvPr>
+          <p:cNvSpPr txBox="1"/>
+          <p:nvPr/>
+        </p:nvSpPr>
+        <p:spPr>
+          <a:xfrm>
+            <a:off x="3253633" y="2144137"/>
+            <a:ext cx="1136166" cy="486583"/>
+          </a:xfrm>
+          <a:prstGeom prst="rect">
+            <a:avLst/>
+          </a:prstGeom>
+          <a:solidFill>
+            <a:schemeClr val="lt1"/>
+          </a:solidFill>
+          <a:ln w="28575" cap="flat" cmpd="sng">
+            <a:solidFill>
+              <a:schemeClr val="dk1"/>
+            </a:solidFill>
+            <a:prstDash val="solid"/>
+            <a:miter lim="800000"/>
+            <a:headEnd type="none" w="sm" len="sm"/>
+            <a:tailEnd type="none" w="sm" len="sm"/>
+          </a:ln>
+        </p:spPr>
+        <p:txBody>
+          <a:bodyPr spcFirstLastPara="1" wrap="square" lIns="91425" tIns="45700" rIns="91425" bIns="45700" anchor="t" anchorCtr="0">
+            <a:noAutofit/>
+          </a:bodyPr>
+          <a:lstStyle/>
+          <a:p>
+            <a:r>
+              <a:rPr lang="ja-JP" altLang="en-US" sz="1200" dirty="0">
+                <a:solidFill>
+                  <a:schemeClr val="dk1"/>
+                </a:solidFill>
+                <a:latin typeface="Calibri"/>
+                <a:ea typeface="Calibri"/>
+                <a:cs typeface="Calibri"/>
+                <a:sym typeface="Calibri"/>
+              </a:rPr>
+              <a:t>昇圧回路</a:t>
+            </a:r>
+            <a:endParaRPr lang="en-US" altLang="ja-JP" sz="1200" dirty="0">
+              <a:solidFill>
+                <a:schemeClr val="dk1"/>
+              </a:solidFill>
+              <a:latin typeface="Calibri"/>
+              <a:ea typeface="Calibri"/>
+              <a:cs typeface="Calibri"/>
+              <a:sym typeface="Calibri"/>
+            </a:endParaRPr>
+          </a:p>
+          <a:p>
+            <a:r>
+              <a:rPr lang="en-US" sz="1200" dirty="0">
+                <a:solidFill>
+                  <a:schemeClr val="dk1"/>
+                </a:solidFill>
+                <a:latin typeface="Calibri"/>
+                <a:ea typeface="Calibri"/>
+                <a:cs typeface="Calibri"/>
+                <a:sym typeface="Calibri"/>
+              </a:rPr>
+              <a:t>5V</a:t>
+            </a:r>
+            <a:r>
+              <a:rPr lang="ja-JP" altLang="en-US" sz="1200" dirty="0">
+                <a:solidFill>
+                  <a:schemeClr val="dk1"/>
+                </a:solidFill>
+                <a:latin typeface="Calibri"/>
+                <a:ea typeface="Calibri"/>
+                <a:cs typeface="Calibri"/>
+                <a:sym typeface="Calibri"/>
+              </a:rPr>
+              <a:t>⇒</a:t>
+            </a:r>
+            <a:r>
+              <a:rPr lang="en-US" altLang="ja-JP" sz="1200" dirty="0">
+                <a:solidFill>
+                  <a:schemeClr val="dk1"/>
+                </a:solidFill>
+                <a:latin typeface="Calibri"/>
+                <a:ea typeface="Calibri"/>
+                <a:cs typeface="Calibri"/>
+                <a:sym typeface="Calibri"/>
+              </a:rPr>
+              <a:t>12V&amp;24V</a:t>
+            </a:r>
+            <a:endParaRPr sz="1200" dirty="0">
+              <a:solidFill>
+                <a:schemeClr val="dk1"/>
+              </a:solidFill>
+              <a:latin typeface="Calibri"/>
+              <a:ea typeface="Calibri"/>
+              <a:cs typeface="Calibri"/>
+              <a:sym typeface="Calibri"/>
+            </a:endParaRPr>
+          </a:p>
+        </p:txBody>
+      </p:sp>
     </p:spTree>
   </p:cSld>
   <p:clrMapOvr>
@@ -18845,7 +19865,7 @@
         </p:nvSpPr>
         <p:spPr>
           <a:xfrm>
-            <a:off x="2715374" y="2210213"/>
+            <a:off x="2649497" y="2190209"/>
             <a:ext cx="769162" cy="685800"/>
           </a:xfrm>
           <a:prstGeom prst="rect">

--- a/６．【電源電位申告書】神戸高専AB.pptx
+++ b/６．【電源電位申告書】神戸高専AB.pptx
@@ -259,7 +259,7 @@
       </p15:sldGuideLst>
     </p:ext>
     <p:ext uri="http://customooxmlschemas.google.com/">
-      <go:slidesCustomData xmlns:go="http://customooxmlschemas.google.com/" xmlns:ahyp="http://schemas.microsoft.com/office/drawing/2018/hyperlinkcolor" xmlns:p15="http://schemas.microsoft.com/office/powerpoint/2012/main" xmlns:p14="http://schemas.microsoft.com/office/powerpoint/2010/main" xmlns:com="http://schemas.openxmlformats.org/drawingml/2006/compatibility" xmlns:pvml="urn:schemas-microsoft-com:office:powerpoint" xmlns:v="urn:schemas-microsoft-com:vml" xmlns:o="urn:schemas-microsoft-com:office:office" xmlns:dgm="http://schemas.openxmlformats.org/drawingml/2006/diagram" xmlns:c="http://schemas.openxmlformats.org/drawingml/2006/chart" xmlns:mv="urn:schemas-microsoft-com:mac:vml" xmlns:mc="http://schemas.openxmlformats.org/markup-compatibility/2006" xmlns="" r:id="rId11" roundtripDataSignature="AMtx7miF2fjcER+5fSP4KnQ88vKd8HvlMQ=="/>
+      <go:slidesCustomData xmlns="" xmlns:mc="http://schemas.openxmlformats.org/markup-compatibility/2006" xmlns:mv="urn:schemas-microsoft-com:mac:vml" xmlns:c="http://schemas.openxmlformats.org/drawingml/2006/chart" xmlns:dgm="http://schemas.openxmlformats.org/drawingml/2006/diagram" xmlns:o="urn:schemas-microsoft-com:office:office" xmlns:v="urn:schemas-microsoft-com:vml" xmlns:pvml="urn:schemas-microsoft-com:office:powerpoint" xmlns:com="http://schemas.openxmlformats.org/drawingml/2006/compatibility" xmlns:p14="http://schemas.microsoft.com/office/powerpoint/2010/main" xmlns:p15="http://schemas.microsoft.com/office/powerpoint/2012/main" xmlns:ahyp="http://schemas.microsoft.com/office/drawing/2018/hyperlinkcolor" xmlns:go="http://customooxmlschemas.google.com/" r:id="rId11" roundtripDataSignature="AMtx7miF2fjcER+5fSP4KnQ88vKd8HvlMQ=="/>
     </p:ext>
   </p:extLst>
 </p:presentation>
@@ -15173,7 +15173,7 @@
                 <a:cs typeface="Calibri"/>
                 <a:sym typeface="Calibri"/>
               </a:rPr>
-              <a:t>B</a:t>
+              <a:t>A</a:t>
             </a:r>
             <a:r>
               <a:rPr lang="ja-JP" altLang="en-US" sz="1800" dirty="0">
@@ -16662,78 +16662,6 @@
           </a:p>
         </p:txBody>
       </p:sp>
-      <p:sp>
-        <p:nvSpPr>
-          <p:cNvPr id="36" name="四角形: 角を丸くする 35">
-            <a:extLst>
-              <a:ext uri="{FF2B5EF4-FFF2-40B4-BE49-F238E27FC236}">
-                <a16:creationId xmlns:a16="http://schemas.microsoft.com/office/drawing/2014/main" id="{7EEE7FF6-3EF6-4D6A-8FE8-3936AA9DC0D8}"/>
-              </a:ext>
-            </a:extLst>
-          </p:cNvPr>
-          <p:cNvSpPr/>
-          <p:nvPr/>
-        </p:nvSpPr>
-        <p:spPr>
-          <a:xfrm>
-            <a:off x="4473467" y="-1154432"/>
-            <a:ext cx="3605955" cy="914400"/>
-          </a:xfrm>
-          <a:prstGeom prst="roundRect">
-            <a:avLst/>
-          </a:prstGeom>
-        </p:spPr>
-        <p:style>
-          <a:lnRef idx="2">
-            <a:schemeClr val="accent5"/>
-          </a:lnRef>
-          <a:fillRef idx="1">
-            <a:schemeClr val="lt1"/>
-          </a:fillRef>
-          <a:effectRef idx="0">
-            <a:schemeClr val="accent5"/>
-          </a:effectRef>
-          <a:fontRef idx="minor">
-            <a:schemeClr val="dk1"/>
-          </a:fontRef>
-        </p:style>
-        <p:txBody>
-          <a:bodyPr rtlCol="0" anchor="ctr"/>
-          <a:lstStyle/>
-          <a:p>
-            <a:r>
-              <a:rPr kumimoji="1" lang="en-US" altLang="ja-JP" b="1" dirty="0">
-                <a:solidFill>
-                  <a:srgbClr val="FF0000"/>
-                </a:solidFill>
-              </a:rPr>
-              <a:t>【</a:t>
-            </a:r>
-            <a:r>
-              <a:rPr kumimoji="1" lang="ja-JP" altLang="en-US" b="1" dirty="0">
-                <a:solidFill>
-                  <a:srgbClr val="FF0000"/>
-                </a:solidFill>
-              </a:rPr>
-              <a:t>提出時は本注釈を消す</a:t>
-            </a:r>
-            <a:r>
-              <a:rPr kumimoji="1" lang="en-US" altLang="ja-JP" b="1" dirty="0">
-                <a:solidFill>
-                  <a:srgbClr val="FF0000"/>
-                </a:solidFill>
-              </a:rPr>
-              <a:t>】</a:t>
-            </a:r>
-          </a:p>
-          <a:p>
-            <a:r>
-              <a:rPr kumimoji="1" lang="ja-JP" altLang="en-US" b="1" dirty="0"/>
-              <a:t>駆動系と回路制御系をまとめて書いても大丈夫です．書き切れない場合はサンプルのように分けて書いて下さい．</a:t>
-            </a:r>
-          </a:p>
-        </p:txBody>
-      </p:sp>
       <p:cxnSp>
         <p:nvCxnSpPr>
           <p:cNvPr id="16" name="Google Shape;90;g9c0c5dd9de_0_36">
@@ -17180,7 +17108,7 @@
                 <a:cs typeface="Calibri"/>
                 <a:sym typeface="Calibri"/>
               </a:rPr>
-              <a:t>12V&amp;24V</a:t>
+              <a:t>12V,24V</a:t>
             </a:r>
             <a:endParaRPr sz="1200" dirty="0">
               <a:solidFill>
@@ -17339,8 +17267,8 @@
         </p:nvSpPr>
         <p:spPr>
           <a:xfrm>
-            <a:off x="8429406" y="2269158"/>
-            <a:ext cx="1001879" cy="486583"/>
+            <a:off x="8429406" y="2269159"/>
+            <a:ext cx="1001879" cy="914430"/>
           </a:xfrm>
           <a:prstGeom prst="rect">
             <a:avLst/>
@@ -17365,29 +17293,46 @@
           <a:lstStyle/>
           <a:p>
             <a:r>
-              <a:rPr lang="ja-JP" altLang="en-US" sz="1200" dirty="0">
+              <a:rPr lang="ja-JP" altLang="en-US" sz="1100" b="0" i="0" dirty="0">
                 <a:solidFill>
-                  <a:schemeClr val="dk1"/>
+                  <a:srgbClr val="222222"/>
                 </a:solidFill>
-                <a:latin typeface="Calibri"/>
-                <a:ea typeface="Calibri"/>
-                <a:cs typeface="Calibri"/>
-                <a:sym typeface="Calibri"/>
+                <a:effectLst/>
+                <a:latin typeface="Open Sans" panose="020B0606030504020204" pitchFamily="34" charset="0"/>
               </a:rPr>
-              <a:t>エアポンプ</a:t>
+              <a:t>高圧ピストン電動エアレス</a:t>
             </a:r>
-            <a:endParaRPr lang="en-US" altLang="ja-JP" sz="1200" dirty="0">
-              <a:solidFill>
-                <a:schemeClr val="dk1"/>
-              </a:solidFill>
-              <a:latin typeface="Calibri"/>
-              <a:ea typeface="Calibri"/>
-              <a:cs typeface="Calibri"/>
-              <a:sym typeface="Calibri"/>
-            </a:endParaRPr>
-          </a:p>
-          <a:p>
-            <a:endParaRPr sz="1200" dirty="0">
+            <a:r>
+              <a:rPr lang="en-US" altLang="ja-JP" sz="1100" b="0" i="0" dirty="0">
+                <a:solidFill>
+                  <a:srgbClr val="222222"/>
+                </a:solidFill>
+                <a:effectLst/>
+                <a:latin typeface="Open Sans" panose="020B0606030504020204" pitchFamily="34" charset="0"/>
+              </a:rPr>
+              <a:t>12V,25l/m</a:t>
+            </a:r>
+            <a:r>
+              <a:rPr lang="ja-JP" altLang="en-US" sz="1100" b="0" i="0" dirty="0">
+                <a:solidFill>
+                  <a:srgbClr val="222222"/>
+                </a:solidFill>
+                <a:effectLst/>
+                <a:latin typeface="Open Sans" panose="020B0606030504020204" pitchFamily="34" charset="0"/>
+              </a:rPr>
+              <a:t>フロー</a:t>
+            </a:r>
+            <a:r>
+              <a:rPr lang="en-US" altLang="ja-JP" sz="1100" b="0" i="0" dirty="0">
+                <a:solidFill>
+                  <a:srgbClr val="222222"/>
+                </a:solidFill>
+                <a:effectLst/>
+                <a:latin typeface="Open Sans" panose="020B0606030504020204" pitchFamily="34" charset="0"/>
+              </a:rPr>
+              <a:t>500kpa</a:t>
+            </a:r>
+            <a:endParaRPr sz="1100" dirty="0">
               <a:solidFill>
                 <a:schemeClr val="dk1"/>
               </a:solidFill>
@@ -17431,13 +17376,186 @@
       </p:grpSpPr>
       <p:cxnSp>
         <p:nvCxnSpPr>
+          <p:cNvPr id="19" name="直線コネクタ 18">
+            <a:extLst>
+              <a:ext uri="{FF2B5EF4-FFF2-40B4-BE49-F238E27FC236}">
+                <a16:creationId xmlns:a16="http://schemas.microsoft.com/office/drawing/2014/main" id="{9F149365-17F1-83A8-DD47-3BAE9E7CAC37}"/>
+              </a:ext>
+            </a:extLst>
+          </p:cNvPr>
+          <p:cNvCxnSpPr>
+            <a:cxnSpLocks/>
+          </p:cNvCxnSpPr>
+          <p:nvPr/>
+        </p:nvCxnSpPr>
+        <p:spPr>
+          <a:xfrm flipV="1">
+            <a:off x="6729416" y="2816033"/>
+            <a:ext cx="0" cy="369632"/>
+          </a:xfrm>
+          <a:prstGeom prst="line">
+            <a:avLst/>
+          </a:prstGeom>
+          <a:ln w="38100">
+            <a:prstDash val="dash"/>
+          </a:ln>
+        </p:spPr>
+        <p:style>
+          <a:lnRef idx="1">
+            <a:schemeClr val="accent1"/>
+          </a:lnRef>
+          <a:fillRef idx="0">
+            <a:schemeClr val="accent1"/>
+          </a:fillRef>
+          <a:effectRef idx="0">
+            <a:schemeClr val="accent1"/>
+          </a:effectRef>
+          <a:fontRef idx="minor">
+            <a:schemeClr val="tx1"/>
+          </a:fontRef>
+        </p:style>
+      </p:cxnSp>
+      <p:cxnSp>
+        <p:nvCxnSpPr>
+          <p:cNvPr id="14" name="直線コネクタ 13">
+            <a:extLst>
+              <a:ext uri="{FF2B5EF4-FFF2-40B4-BE49-F238E27FC236}">
+                <a16:creationId xmlns:a16="http://schemas.microsoft.com/office/drawing/2014/main" id="{19BEB8CB-D3F5-B2F1-4309-AEE67636448E}"/>
+              </a:ext>
+            </a:extLst>
+          </p:cNvPr>
+          <p:cNvCxnSpPr>
+            <a:cxnSpLocks/>
+          </p:cNvCxnSpPr>
+          <p:nvPr/>
+        </p:nvCxnSpPr>
+        <p:spPr>
+          <a:xfrm flipH="1">
+            <a:off x="6013136" y="2816033"/>
+            <a:ext cx="722944" cy="3314"/>
+          </a:xfrm>
+          <a:prstGeom prst="line">
+            <a:avLst/>
+          </a:prstGeom>
+          <a:ln w="38100">
+            <a:prstDash val="dash"/>
+          </a:ln>
+        </p:spPr>
+        <p:style>
+          <a:lnRef idx="1">
+            <a:schemeClr val="accent1"/>
+          </a:lnRef>
+          <a:fillRef idx="0">
+            <a:schemeClr val="accent1"/>
+          </a:fillRef>
+          <a:effectRef idx="0">
+            <a:schemeClr val="accent1"/>
+          </a:effectRef>
+          <a:fontRef idx="minor">
+            <a:schemeClr val="tx1"/>
+          </a:fontRef>
+        </p:style>
+      </p:cxnSp>
+      <p:sp>
+        <p:nvSpPr>
+          <p:cNvPr id="8" name="Google Shape;89;g9c0c5dd9de_0_36">
+            <a:extLst>
+              <a:ext uri="{FF2B5EF4-FFF2-40B4-BE49-F238E27FC236}">
+                <a16:creationId xmlns:a16="http://schemas.microsoft.com/office/drawing/2014/main" id="{F82FD7D2-8AAB-4312-335F-E1D1A7324DE6}"/>
+              </a:ext>
+            </a:extLst>
+          </p:cNvPr>
+          <p:cNvSpPr txBox="1"/>
+          <p:nvPr/>
+        </p:nvSpPr>
+        <p:spPr>
+          <a:xfrm>
+            <a:off x="3021581" y="2682399"/>
+            <a:ext cx="619693" cy="276900"/>
+          </a:xfrm>
+          <a:prstGeom prst="rect">
+            <a:avLst/>
+          </a:prstGeom>
+          <a:solidFill>
+            <a:schemeClr val="lt1"/>
+          </a:solidFill>
+          <a:ln>
+            <a:noFill/>
+          </a:ln>
+        </p:spPr>
+        <p:txBody>
+          <a:bodyPr spcFirstLastPara="1" wrap="square" lIns="91425" tIns="45700" rIns="91425" bIns="45700" anchor="t" anchorCtr="0">
+            <a:noAutofit/>
+          </a:bodyPr>
+          <a:lstStyle/>
+          <a:p>
+            <a:r>
+              <a:rPr lang="en-US" altLang="ja-JP" sz="1200" dirty="0">
+                <a:solidFill>
+                  <a:schemeClr val="dk1"/>
+                </a:solidFill>
+                <a:latin typeface="Calibri"/>
+                <a:ea typeface="Calibri"/>
+                <a:cs typeface="Calibri"/>
+                <a:sym typeface="Calibri"/>
+              </a:rPr>
+              <a:t>11.1V</a:t>
+            </a:r>
+            <a:endParaRPr sz="1200" dirty="0">
+              <a:solidFill>
+                <a:schemeClr val="dk1"/>
+              </a:solidFill>
+              <a:latin typeface="Calibri"/>
+              <a:ea typeface="Calibri"/>
+              <a:cs typeface="Calibri"/>
+              <a:sym typeface="Calibri"/>
+            </a:endParaRPr>
+          </a:p>
+        </p:txBody>
+      </p:sp>
+      <p:cxnSp>
+        <p:nvCxnSpPr>
+          <p:cNvPr id="3" name="Google Shape;105;g9c0c5dd9de_0_36">
+            <a:extLst>
+              <a:ext uri="{FF2B5EF4-FFF2-40B4-BE49-F238E27FC236}">
+                <a16:creationId xmlns:a16="http://schemas.microsoft.com/office/drawing/2014/main" id="{7903243F-4B2D-5D39-EB5E-AD84C33B7522}"/>
+              </a:ext>
+            </a:extLst>
+          </p:cNvPr>
+          <p:cNvCxnSpPr>
+            <a:cxnSpLocks/>
+          </p:cNvCxnSpPr>
+          <p:nvPr/>
+        </p:nvCxnSpPr>
+        <p:spPr>
+          <a:xfrm>
+            <a:off x="2693212" y="2987179"/>
+            <a:ext cx="2555063" cy="0"/>
+          </a:xfrm>
+          <a:prstGeom prst="straightConnector1">
+            <a:avLst/>
+          </a:prstGeom>
+          <a:noFill/>
+          <a:ln w="38100" cap="flat" cmpd="sng">
+            <a:solidFill>
+              <a:srgbClr val="0070C0"/>
+            </a:solidFill>
+            <a:prstDash val="solid"/>
+            <a:miter lim="800000"/>
+            <a:headEnd type="none" w="sm" len="sm"/>
+            <a:tailEnd type="none" w="sm" len="sm"/>
+          </a:ln>
+        </p:spPr>
+      </p:cxnSp>
+      <p:cxnSp>
+        <p:nvCxnSpPr>
           <p:cNvPr id="87" name="Google Shape;87;g9c0c5dd9de_0_36"/>
           <p:cNvCxnSpPr/>
           <p:nvPr/>
         </p:nvCxnSpPr>
         <p:spPr>
           <a:xfrm rot="10800000" flipH="1">
-            <a:off x="4548384" y="3011050"/>
+            <a:off x="4967036" y="3367488"/>
             <a:ext cx="2092200" cy="7200"/>
           </a:xfrm>
           <a:prstGeom prst="straightConnector1">
@@ -17463,7 +17581,7 @@
         </p:nvSpPr>
         <p:spPr>
           <a:xfrm>
-            <a:off x="2969041" y="2783447"/>
+            <a:off x="2995483" y="3028465"/>
             <a:ext cx="516300" cy="276900"/>
           </a:xfrm>
           <a:prstGeom prst="rect">
@@ -17483,7 +17601,7 @@
           <a:lstStyle/>
           <a:p>
             <a:r>
-              <a:rPr lang="en-US" altLang="ja-JP" sz="1200">
+              <a:rPr lang="en-US" altLang="ja-JP" sz="1200" dirty="0">
                 <a:solidFill>
                   <a:schemeClr val="dk1"/>
                 </a:solidFill>
@@ -17494,7 +17612,7 @@
               </a:rPr>
               <a:t>5V</a:t>
             </a:r>
-            <a:endParaRPr sz="1200">
+            <a:endParaRPr sz="1200" dirty="0">
               <a:solidFill>
                 <a:schemeClr val="dk1"/>
               </a:solidFill>
@@ -17561,7 +17679,7 @@
                 <a:cs typeface="Calibri"/>
                 <a:sym typeface="Calibri"/>
               </a:rPr>
-              <a:t>B</a:t>
+              <a:t>A</a:t>
             </a:r>
             <a:r>
               <a:rPr lang="ja-JP" altLang="en-US" sz="1800" dirty="0">
@@ -18296,7 +18414,7 @@
         </p:nvCxnSpPr>
         <p:spPr>
           <a:xfrm rot="10800000" flipH="1">
-            <a:off x="2763054" y="3011073"/>
+            <a:off x="2763054" y="3374688"/>
             <a:ext cx="2092200" cy="7200"/>
           </a:xfrm>
           <a:prstGeom prst="straightConnector1">
@@ -18322,8 +18440,8 @@
         </p:nvSpPr>
         <p:spPr>
           <a:xfrm>
-            <a:off x="1654419" y="2921947"/>
-            <a:ext cx="1265400" cy="751500"/>
+            <a:off x="1654419" y="2630720"/>
+            <a:ext cx="1265400" cy="1042727"/>
           </a:xfrm>
           <a:prstGeom prst="rect">
             <a:avLst/>
@@ -18396,7 +18514,31 @@
               </a:rPr>
               <a:t>モバイルバッテリー</a:t>
             </a:r>
-            <a:endParaRPr sz="1100" dirty="0">
+            <a:r>
+              <a:rPr lang="en-US" altLang="ja-JP" sz="1100" dirty="0">
+                <a:solidFill>
+                  <a:schemeClr val="dk1"/>
+                </a:solidFill>
+                <a:latin typeface="Calibri"/>
+                <a:ea typeface="Calibri"/>
+                <a:cs typeface="Calibri"/>
+                <a:sym typeface="Calibri"/>
+              </a:rPr>
+              <a:t>10000mAh×</a:t>
+            </a:r>
+            <a:r>
+              <a:rPr lang="ja-JP" altLang="en-US" sz="1100" dirty="0">
+                <a:solidFill>
+                  <a:schemeClr val="dk1"/>
+                </a:solidFill>
+                <a:latin typeface="Calibri"/>
+                <a:ea typeface="Calibri"/>
+                <a:cs typeface="Calibri"/>
+                <a:sym typeface="Calibri"/>
+              </a:rPr>
+              <a:t>２</a:t>
+            </a:r>
+            <a:endParaRPr lang="en-US" altLang="ja-JP" sz="1100" dirty="0">
               <a:solidFill>
                 <a:schemeClr val="dk1"/>
               </a:solidFill>
@@ -18409,6 +18551,30 @@
           <a:p>
             <a:pPr algn="ctr"/>
             <a:r>
+              <a:rPr lang="en-US" sz="1100" dirty="0">
+                <a:solidFill>
+                  <a:schemeClr val="dk1"/>
+                </a:solidFill>
+                <a:latin typeface="Calibri"/>
+                <a:ea typeface="Calibri"/>
+                <a:cs typeface="Calibri"/>
+                <a:sym typeface="Calibri"/>
+              </a:rPr>
+              <a:t>11.1V</a:t>
+            </a:r>
+            <a:r>
+              <a:rPr lang="ja-JP" altLang="en-US" sz="1100" dirty="0">
+                <a:solidFill>
+                  <a:schemeClr val="dk1"/>
+                </a:solidFill>
+                <a:latin typeface="Calibri"/>
+                <a:ea typeface="Calibri"/>
+                <a:cs typeface="Calibri"/>
+                <a:sym typeface="Calibri"/>
+              </a:rPr>
+              <a:t>リポバッテリー</a:t>
+            </a:r>
+            <a:r>
               <a:rPr lang="en-US" altLang="ja-JP" sz="1100" dirty="0">
                 <a:solidFill>
                   <a:schemeClr val="dk1"/>
@@ -18418,7 +18584,7 @@
                 <a:cs typeface="Calibri"/>
                 <a:sym typeface="Calibri"/>
               </a:rPr>
-              <a:t>10000mAh</a:t>
+              <a:t>×2</a:t>
             </a:r>
             <a:endParaRPr sz="1100" dirty="0">
               <a:solidFill>
@@ -18533,7 +18699,7 @@
         </p:nvSpPr>
         <p:spPr>
           <a:xfrm>
-            <a:off x="4389800" y="2872050"/>
+            <a:off x="4389799" y="3184559"/>
             <a:ext cx="1151193" cy="556800"/>
           </a:xfrm>
           <a:prstGeom prst="rect">
@@ -18601,8 +18767,8 @@
         </p:nvSpPr>
         <p:spPr>
           <a:xfrm>
-            <a:off x="6194701" y="2870051"/>
-            <a:ext cx="2056880" cy="646191"/>
+            <a:off x="6211394" y="2987178"/>
+            <a:ext cx="2056880" cy="1045177"/>
           </a:xfrm>
           <a:prstGeom prst="rect">
             <a:avLst/>
@@ -18706,6 +18872,67 @@
               <a:sym typeface="Calibri"/>
             </a:endParaRPr>
           </a:p>
+          <a:p>
+            <a:r>
+              <a:rPr lang="en-US" altLang="ja-JP" sz="1200" dirty="0">
+                <a:solidFill>
+                  <a:schemeClr val="dk1"/>
+                </a:solidFill>
+                <a:latin typeface="Calibri"/>
+                <a:ea typeface="Calibri"/>
+                <a:cs typeface="Calibri"/>
+                <a:sym typeface="Calibri"/>
+              </a:rPr>
+              <a:t>2D</a:t>
+            </a:r>
+            <a:r>
+              <a:rPr lang="ja-JP" altLang="en-US" sz="1200" dirty="0">
+                <a:solidFill>
+                  <a:schemeClr val="dk1"/>
+                </a:solidFill>
+                <a:latin typeface="Calibri"/>
+                <a:ea typeface="Calibri"/>
+                <a:cs typeface="Calibri"/>
+                <a:sym typeface="Calibri"/>
+              </a:rPr>
+              <a:t>ライダー</a:t>
+            </a:r>
+            <a:endParaRPr lang="en-US" altLang="ja-JP" sz="1200" dirty="0">
+              <a:solidFill>
+                <a:schemeClr val="dk1"/>
+              </a:solidFill>
+              <a:latin typeface="Calibri"/>
+              <a:ea typeface="Calibri"/>
+              <a:cs typeface="Calibri"/>
+              <a:sym typeface="Calibri"/>
+            </a:endParaRPr>
+          </a:p>
+          <a:p>
+            <a:r>
+              <a:rPr lang="ja-JP" altLang="en-US" sz="1200" dirty="0">
+                <a:solidFill>
+                  <a:schemeClr val="dk1"/>
+                </a:solidFill>
+                <a:latin typeface="Calibri"/>
+                <a:ea typeface="Calibri"/>
+                <a:cs typeface="Calibri"/>
+                <a:sym typeface="Calibri"/>
+              </a:rPr>
+              <a:t>サーボモータ</a:t>
+            </a:r>
+            <a:r>
+              <a:rPr lang="en-US" altLang="ja-JP" sz="1200" dirty="0">
+                <a:solidFill>
+                  <a:schemeClr val="dk1"/>
+                </a:solidFill>
+                <a:latin typeface="Calibri"/>
+                <a:ea typeface="Calibri"/>
+                <a:cs typeface="Calibri"/>
+                <a:sym typeface="Calibri"/>
+              </a:rPr>
+              <a:t>×8</a:t>
+            </a:r>
+          </a:p>
         </p:txBody>
       </p:sp>
       <p:cxnSp>
@@ -18725,7 +18952,7 @@
         <p:spPr>
           <a:xfrm flipV="1">
             <a:off x="4784435" y="2038350"/>
-            <a:ext cx="0" cy="831702"/>
+            <a:ext cx="0" cy="1113733"/>
           </a:xfrm>
           <a:prstGeom prst="line">
             <a:avLst/>
@@ -18895,7 +19122,7 @@
         <p:spPr>
           <a:xfrm flipV="1">
             <a:off x="3641276" y="2454201"/>
-            <a:ext cx="0" cy="555477"/>
+            <a:ext cx="0" cy="913286"/>
           </a:xfrm>
           <a:prstGeom prst="line">
             <a:avLst/>
@@ -19015,7 +19242,117 @@
                 <a:cs typeface="Calibri"/>
                 <a:sym typeface="Calibri"/>
               </a:rPr>
-              <a:t>12V&amp;24V</a:t>
+              <a:t>12V,24V</a:t>
+            </a:r>
+            <a:endParaRPr sz="1200" dirty="0">
+              <a:solidFill>
+                <a:schemeClr val="dk1"/>
+              </a:solidFill>
+              <a:latin typeface="Calibri"/>
+              <a:ea typeface="Calibri"/>
+              <a:cs typeface="Calibri"/>
+              <a:sym typeface="Calibri"/>
+            </a:endParaRPr>
+          </a:p>
+        </p:txBody>
+      </p:sp>
+      <p:sp>
+        <p:nvSpPr>
+          <p:cNvPr id="13" name="Google Shape;110;g9c0c5dd9de_0_36">
+            <a:extLst>
+              <a:ext uri="{FF2B5EF4-FFF2-40B4-BE49-F238E27FC236}">
+                <a16:creationId xmlns:a16="http://schemas.microsoft.com/office/drawing/2014/main" id="{8C3CB1D2-1B56-12BB-D9B4-B828346D0E3E}"/>
+              </a:ext>
+            </a:extLst>
+          </p:cNvPr>
+          <p:cNvSpPr txBox="1"/>
+          <p:nvPr/>
+        </p:nvSpPr>
+        <p:spPr>
+          <a:xfrm>
+            <a:off x="4972909" y="2572742"/>
+            <a:ext cx="1136166" cy="486583"/>
+          </a:xfrm>
+          <a:prstGeom prst="rect">
+            <a:avLst/>
+          </a:prstGeom>
+          <a:solidFill>
+            <a:schemeClr val="lt1"/>
+          </a:solidFill>
+          <a:ln w="28575" cap="flat" cmpd="sng">
+            <a:solidFill>
+              <a:schemeClr val="dk1"/>
+            </a:solidFill>
+            <a:prstDash val="solid"/>
+            <a:miter lim="800000"/>
+            <a:headEnd type="none" w="sm" len="sm"/>
+            <a:tailEnd type="none" w="sm" len="sm"/>
+          </a:ln>
+        </p:spPr>
+        <p:txBody>
+          <a:bodyPr spcFirstLastPara="1" wrap="square" lIns="91425" tIns="45700" rIns="91425" bIns="45700" anchor="t" anchorCtr="0">
+            <a:noAutofit/>
+          </a:bodyPr>
+          <a:lstStyle/>
+          <a:p>
+            <a:r>
+              <a:rPr lang="ja-JP" altLang="en-US" sz="1200" dirty="0">
+                <a:solidFill>
+                  <a:schemeClr val="dk1"/>
+                </a:solidFill>
+                <a:latin typeface="Calibri"/>
+                <a:ea typeface="Calibri"/>
+                <a:cs typeface="Calibri"/>
+                <a:sym typeface="Calibri"/>
+              </a:rPr>
+              <a:t>降圧回路</a:t>
+            </a:r>
+            <a:endParaRPr lang="en-US" altLang="ja-JP" sz="1200" dirty="0">
+              <a:solidFill>
+                <a:schemeClr val="dk1"/>
+              </a:solidFill>
+              <a:latin typeface="Calibri"/>
+              <a:ea typeface="Calibri"/>
+              <a:cs typeface="Calibri"/>
+              <a:sym typeface="Calibri"/>
+            </a:endParaRPr>
+          </a:p>
+          <a:p>
+            <a:r>
+              <a:rPr lang="en-US" sz="1200" dirty="0">
+                <a:solidFill>
+                  <a:schemeClr val="dk1"/>
+                </a:solidFill>
+                <a:latin typeface="Calibri"/>
+                <a:ea typeface="Calibri"/>
+                <a:cs typeface="Calibri"/>
+                <a:sym typeface="Calibri"/>
+              </a:rPr>
+              <a:t>11.1V</a:t>
+            </a:r>
+            <a:r>
+              <a:rPr lang="ja-JP" altLang="en-US" sz="1200" dirty="0">
+                <a:solidFill>
+                  <a:schemeClr val="dk1"/>
+                </a:solidFill>
+                <a:latin typeface="Calibri"/>
+                <a:ea typeface="Calibri"/>
+                <a:cs typeface="Calibri"/>
+                <a:sym typeface="Calibri"/>
+              </a:rPr>
+              <a:t>⇒</a:t>
+            </a:r>
+            <a:r>
+              <a:rPr lang="en-US" altLang="ja-JP" sz="1200" dirty="0">
+                <a:solidFill>
+                  <a:schemeClr val="dk1"/>
+                </a:solidFill>
+                <a:latin typeface="Calibri"/>
+                <a:ea typeface="Calibri"/>
+                <a:cs typeface="Calibri"/>
+                <a:sym typeface="Calibri"/>
+              </a:rPr>
+              <a:t>5V</a:t>
             </a:r>
             <a:endParaRPr sz="1200" dirty="0">
               <a:solidFill>
